--- a/presentation.pptx
+++ b/presentation.pptx
@@ -2,22 +2,22 @@
 <file path=ppt/presentation.xml><?xml version="1.0" encoding="utf-8"?>
 <p:presentation xmlns:a="http://schemas.openxmlformats.org/drawingml/2006/main" xmlns:r="http://schemas.openxmlformats.org/officeDocument/2006/relationships" xmlns:p="http://schemas.openxmlformats.org/presentationml/2006/main">
   <p:sldMasterIdLst>
-    <p:sldMasterId id="2147483648" r:id="rId5"/>
+    <p:sldMasterId id="2147483648" r:id="rId1"/>
   </p:sldMasterIdLst>
   <p:notesMasterIdLst>
-    <p:notesMasterId r:id="rId7"/>
+    <p:notesMasterId r:id="rId10"/>
   </p:notesMasterIdLst>
   <p:sldIdLst>
-    <p:sldId id="256" r:id="rId8"/>
-    <p:sldId id="257" r:id="rId9"/>
-    <p:sldId id="258" r:id="rId10"/>
-    <p:sldId id="259" r:id="rId11"/>
-    <p:sldId id="260" r:id="rId12"/>
-    <p:sldId id="261" r:id="rId13"/>
-    <p:sldId id="262" r:id="rId14"/>
-    <p:sldId id="263" r:id="rId15"/>
+    <p:sldId id="256" r:id="rId2"/>
+    <p:sldId id="257" r:id="rId3"/>
+    <p:sldId id="258" r:id="rId4"/>
+    <p:sldId id="259" r:id="rId5"/>
+    <p:sldId id="260" r:id="rId6"/>
+    <p:sldId id="261" r:id="rId7"/>
+    <p:sldId id="262" r:id="rId8"/>
+    <p:sldId id="263" r:id="rId9"/>
   </p:sldIdLst>
-  <p:sldSz cx="9144000" cy="5143500"/>
+  <p:sldSz cx="9144000" cy="5143500" type="screen16x9"/>
   <p:notesSz cx="6858000" cy="9144000"/>
   <p:defaultTextStyle>
     <a:defPPr marL="0" marR="0" indent="0" algn="l" defTabSz="914400" rtl="0" fontAlgn="auto" latinLnBrk="1" hangingPunct="0">
@@ -35,7 +35,7 @@
       <a:buFontTx/>
       <a:buNone/>
       <a:tabLst/>
-      <a:defRPr b="0" baseline="0" cap="none" i="0" spc="0" strike="noStrike" sz="1800" u="none" kumimoji="0" normalizeH="0">
+      <a:defRPr kumimoji="0" sz="1800" b="0" i="0" u="none" strike="noStrike" cap="none" spc="0" normalizeH="0" baseline="0">
         <a:ln>
           <a:noFill/>
         </a:ln>
@@ -61,7 +61,7 @@
       <a:buFontTx/>
       <a:buNone/>
       <a:tabLst/>
-      <a:defRPr b="0" baseline="0" cap="none" i="0" spc="0" strike="noStrike" sz="1400" u="none" kumimoji="0" normalizeH="0">
+      <a:defRPr kumimoji="0" sz="1400" b="0" i="0" u="none" strike="noStrike" cap="none" spc="0" normalizeH="0" baseline="0">
         <a:ln>
           <a:noFill/>
         </a:ln>
@@ -91,7 +91,7 @@
       <a:buFontTx/>
       <a:buNone/>
       <a:tabLst/>
-      <a:defRPr b="0" baseline="0" cap="none" i="0" spc="0" strike="noStrike" sz="1400" u="none" kumimoji="0" normalizeH="0">
+      <a:defRPr kumimoji="0" sz="1400" b="0" i="0" u="none" strike="noStrike" cap="none" spc="0" normalizeH="0" baseline="0">
         <a:ln>
           <a:noFill/>
         </a:ln>
@@ -121,7 +121,7 @@
       <a:buFontTx/>
       <a:buNone/>
       <a:tabLst/>
-      <a:defRPr b="0" baseline="0" cap="none" i="0" spc="0" strike="noStrike" sz="1400" u="none" kumimoji="0" normalizeH="0">
+      <a:defRPr kumimoji="0" sz="1400" b="0" i="0" u="none" strike="noStrike" cap="none" spc="0" normalizeH="0" baseline="0">
         <a:ln>
           <a:noFill/>
         </a:ln>
@@ -151,7 +151,7 @@
       <a:buFontTx/>
       <a:buNone/>
       <a:tabLst/>
-      <a:defRPr b="0" baseline="0" cap="none" i="0" spc="0" strike="noStrike" sz="1400" u="none" kumimoji="0" normalizeH="0">
+      <a:defRPr kumimoji="0" sz="1400" b="0" i="0" u="none" strike="noStrike" cap="none" spc="0" normalizeH="0" baseline="0">
         <a:ln>
           <a:noFill/>
         </a:ln>
@@ -181,7 +181,7 @@
       <a:buFontTx/>
       <a:buNone/>
       <a:tabLst/>
-      <a:defRPr b="0" baseline="0" cap="none" i="0" spc="0" strike="noStrike" sz="1400" u="none" kumimoji="0" normalizeH="0">
+      <a:defRPr kumimoji="0" sz="1400" b="0" i="0" u="none" strike="noStrike" cap="none" spc="0" normalizeH="0" baseline="0">
         <a:ln>
           <a:noFill/>
         </a:ln>
@@ -211,7 +211,7 @@
       <a:buFontTx/>
       <a:buNone/>
       <a:tabLst/>
-      <a:defRPr b="0" baseline="0" cap="none" i="0" spc="0" strike="noStrike" sz="1400" u="none" kumimoji="0" normalizeH="0">
+      <a:defRPr kumimoji="0" sz="1400" b="0" i="0" u="none" strike="noStrike" cap="none" spc="0" normalizeH="0" baseline="0">
         <a:ln>
           <a:noFill/>
         </a:ln>
@@ -241,7 +241,7 @@
       <a:buFontTx/>
       <a:buNone/>
       <a:tabLst/>
-      <a:defRPr b="0" baseline="0" cap="none" i="0" spc="0" strike="noStrike" sz="1400" u="none" kumimoji="0" normalizeH="0">
+      <a:defRPr kumimoji="0" sz="1400" b="0" i="0" u="none" strike="noStrike" cap="none" spc="0" normalizeH="0" baseline="0">
         <a:ln>
           <a:noFill/>
         </a:ln>
@@ -271,7 +271,7 @@
       <a:buFontTx/>
       <a:buNone/>
       <a:tabLst/>
-      <a:defRPr b="0" baseline="0" cap="none" i="0" spc="0" strike="noStrike" sz="1400" u="none" kumimoji="0" normalizeH="0">
+      <a:defRPr kumimoji="0" sz="1400" b="0" i="0" u="none" strike="noStrike" cap="none" spc="0" normalizeH="0" baseline="0">
         <a:ln>
           <a:noFill/>
         </a:ln>
@@ -301,7 +301,7 @@
       <a:buFontTx/>
       <a:buNone/>
       <a:tabLst/>
-      <a:defRPr b="0" baseline="0" cap="none" i="0" spc="0" strike="noStrike" sz="1400" u="none" kumimoji="0" normalizeH="0">
+      <a:defRPr kumimoji="0" sz="1400" b="0" i="0" u="none" strike="noStrike" cap="none" spc="0" normalizeH="0" baseline="0">
         <a:ln>
           <a:noFill/>
         </a:ln>
@@ -320,13 +320,14 @@
 </p:presentation>
 </file>
 
-<file path=ppt/commentAuthors.xml><?xml version="1.0" encoding="utf-8"?>
-<p:cmAuthorLst xmlns:a="http://schemas.openxmlformats.org/drawingml/2006/main" xmlns:r="http://schemas.openxmlformats.org/officeDocument/2006/relationships" xmlns:p="http://schemas.openxmlformats.org/presentationml/2006/main"/>
-</file>
-
 <file path=ppt/notesMasters/notesMaster1.xml><?xml version="1.0" encoding="utf-8"?>
 <p:notesMaster xmlns:a="http://schemas.openxmlformats.org/drawingml/2006/main" xmlns:r="http://schemas.openxmlformats.org/officeDocument/2006/relationships" xmlns:p="http://schemas.openxmlformats.org/presentationml/2006/main">
   <p:cSld>
+    <p:bg>
+      <p:bgRef idx="1001">
+        <a:schemeClr val="bg1"/>
+      </p:bgRef>
+    </p:bg>
     <p:spTree>
       <p:nvGrpSpPr>
         <p:cNvPr id="1" name=""/>
@@ -344,7 +345,9 @@
       <p:sp>
         <p:nvSpPr>
           <p:cNvPr id="106" name="Shape 106"/>
-          <p:cNvSpPr/>
+          <p:cNvSpPr>
+            <a:spLocks noGrp="1" noRot="1" noChangeAspect="1"/>
+          </p:cNvSpPr>
           <p:nvPr>
             <p:ph type="sldImg"/>
           </p:nvPr>
@@ -362,14 +365,16 @@
           <a:bodyPr/>
           <a:lstStyle/>
           <a:p>
-            <a:pPr/>
+            <a:endParaRPr/>
           </a:p>
         </p:txBody>
       </p:sp>
       <p:sp>
         <p:nvSpPr>
           <p:cNvPr id="107" name="Shape 107"/>
-          <p:cNvSpPr/>
+          <p:cNvSpPr>
+            <a:spLocks noGrp="1"/>
+          </p:cNvSpPr>
           <p:nvPr>
             <p:ph type="body" sz="quarter" idx="1"/>
           </p:nvPr>
@@ -387,7 +392,7 @@
           <a:bodyPr/>
           <a:lstStyle/>
           <a:p>
-            <a:pPr/>
+            <a:endParaRPr/>
           </a:p>
         </p:txBody>
       </p:sp>
@@ -472,7 +477,7 @@
 </file>
 
 <file path=ppt/slideLayouts/slideLayout1.xml><?xml version="1.0" encoding="utf-8"?>
-<p:sldLayout xmlns:a="http://schemas.openxmlformats.org/drawingml/2006/main" xmlns:r="http://schemas.openxmlformats.org/officeDocument/2006/relationships" xmlns:p="http://schemas.openxmlformats.org/presentationml/2006/main" type="title" showMasterSp="1" showMasterPhAnim="1">
+<p:sldLayout xmlns:a="http://schemas.openxmlformats.org/drawingml/2006/main" xmlns:r="http://schemas.openxmlformats.org/officeDocument/2006/relationships" xmlns:p="http://schemas.openxmlformats.org/presentationml/2006/main" type="title">
   <p:cSld name="TITLE">
     <p:spTree>
       <p:nvGrpSpPr>
@@ -491,7 +496,9 @@
       <p:sp>
         <p:nvSpPr>
           <p:cNvPr id="11" name="Title Text"/>
-          <p:cNvSpPr/>
+          <p:cNvSpPr>
+            <a:spLocks noGrp="1"/>
+          </p:cNvSpPr>
           <p:nvPr>
             <p:ph type="title"/>
           </p:nvPr>
@@ -513,7 +520,6 @@
             </a:lvl1pPr>
           </a:lstStyle>
           <a:p>
-            <a:pPr/>
             <a:r>
               <a:t>Title Text</a:t>
             </a:r>
@@ -523,7 +529,9 @@
       <p:sp>
         <p:nvSpPr>
           <p:cNvPr id="12" name="Body Level One…"/>
-          <p:cNvSpPr/>
+          <p:cNvSpPr>
+            <a:spLocks noGrp="1"/>
+          </p:cNvSpPr>
           <p:nvPr>
             <p:ph type="body" sz="quarter" idx="1"/>
           </p:nvPr>
@@ -592,7 +600,6 @@
             </a:lvl5pPr>
           </a:lstStyle>
           <a:p>
-            <a:pPr/>
             <a:r>
               <a:t>Body Level One</a:t>
             </a:r>
@@ -626,7 +633,9 @@
       <p:sp>
         <p:nvSpPr>
           <p:cNvPr id="13" name="Slide Number"/>
-          <p:cNvSpPr/>
+          <p:cNvSpPr>
+            <a:spLocks noGrp="1"/>
+          </p:cNvSpPr>
           <p:nvPr>
             <p:ph type="sldNum" sz="quarter" idx="2"/>
           </p:nvPr>
@@ -640,8 +649,10 @@
           <a:bodyPr/>
           <a:lstStyle/>
           <a:p>
-            <a:pPr/>
-            <a:fld id="{86CB4B4D-7CA3-9044-876B-883B54F8677D}" type="slidenum"/>
+            <a:fld id="{86CB4B4D-7CA3-9044-876B-883B54F8677D}" type="slidenum">
+              <a:t>‹#›</a:t>
+            </a:fld>
+            <a:endParaRPr/>
           </a:p>
         </p:txBody>
       </p:sp>
@@ -650,12 +661,12 @@
   <p:clrMapOvr>
     <a:masterClrMapping/>
   </p:clrMapOvr>
-  <p:transition xmlns:p14="http://schemas.microsoft.com/office/powerpoint/2010/main" spd="med" advClick="1"/>
+  <p:transition spd="med"/>
 </p:sldLayout>
 </file>
 
 <file path=ppt/slideLayouts/slideLayout10.xml><?xml version="1.0" encoding="utf-8"?>
-<p:sldLayout xmlns:a="http://schemas.openxmlformats.org/drawingml/2006/main" xmlns:r="http://schemas.openxmlformats.org/officeDocument/2006/relationships" xmlns:p="http://schemas.openxmlformats.org/presentationml/2006/main" type="tx" showMasterSp="1" showMasterPhAnim="1">
+<p:sldLayout xmlns:a="http://schemas.openxmlformats.org/drawingml/2006/main" xmlns:r="http://schemas.openxmlformats.org/officeDocument/2006/relationships" xmlns:p="http://schemas.openxmlformats.org/presentationml/2006/main" type="tx">
   <p:cSld name="BIG_NUMBER">
     <p:spTree>
       <p:nvGrpSpPr>
@@ -674,7 +685,9 @@
       <p:sp>
         <p:nvSpPr>
           <p:cNvPr id="91" name="Title Text"/>
-          <p:cNvSpPr/>
+          <p:cNvSpPr>
+            <a:spLocks noGrp="1"/>
+          </p:cNvSpPr>
           <p:nvPr>
             <p:ph type="title"/>
           </p:nvPr>
@@ -696,7 +709,6 @@
             </a:lvl1pPr>
           </a:lstStyle>
           <a:p>
-            <a:pPr/>
             <a:r>
               <a:t>Title Text</a:t>
             </a:r>
@@ -706,7 +718,9 @@
       <p:sp>
         <p:nvSpPr>
           <p:cNvPr id="92" name="Body Level One…"/>
-          <p:cNvSpPr/>
+          <p:cNvSpPr>
+            <a:spLocks noGrp="1"/>
+          </p:cNvSpPr>
           <p:nvPr>
             <p:ph type="body" sz="half" idx="1"/>
           </p:nvPr>
@@ -730,7 +744,6 @@
             <a:lvl5pPr algn="ctr"/>
           </a:lstStyle>
           <a:p>
-            <a:pPr/>
             <a:r>
               <a:t>Body Level One</a:t>
             </a:r>
@@ -764,7 +777,9 @@
       <p:sp>
         <p:nvSpPr>
           <p:cNvPr id="93" name="Slide Number"/>
-          <p:cNvSpPr/>
+          <p:cNvSpPr>
+            <a:spLocks noGrp="1"/>
+          </p:cNvSpPr>
           <p:nvPr>
             <p:ph type="sldNum" sz="quarter" idx="2"/>
           </p:nvPr>
@@ -778,8 +793,10 @@
           <a:bodyPr/>
           <a:lstStyle/>
           <a:p>
-            <a:pPr/>
-            <a:fld id="{86CB4B4D-7CA3-9044-876B-883B54F8677D}" type="slidenum"/>
+            <a:fld id="{86CB4B4D-7CA3-9044-876B-883B54F8677D}" type="slidenum">
+              <a:t>‹#›</a:t>
+            </a:fld>
+            <a:endParaRPr/>
           </a:p>
         </p:txBody>
       </p:sp>
@@ -788,12 +805,12 @@
   <p:clrMapOvr>
     <a:masterClrMapping/>
   </p:clrMapOvr>
-  <p:transition xmlns:p14="http://schemas.microsoft.com/office/powerpoint/2010/main" spd="med" advClick="1"/>
+  <p:transition spd="med"/>
 </p:sldLayout>
 </file>
 
 <file path=ppt/slideLayouts/slideLayout11.xml><?xml version="1.0" encoding="utf-8"?>
-<p:sldLayout xmlns:a="http://schemas.openxmlformats.org/drawingml/2006/main" xmlns:r="http://schemas.openxmlformats.org/officeDocument/2006/relationships" xmlns:p="http://schemas.openxmlformats.org/presentationml/2006/main" type="tx" showMasterSp="1" showMasterPhAnim="1">
+<p:sldLayout xmlns:a="http://schemas.openxmlformats.org/drawingml/2006/main" xmlns:r="http://schemas.openxmlformats.org/officeDocument/2006/relationships" xmlns:p="http://schemas.openxmlformats.org/presentationml/2006/main" type="tx">
   <p:cSld name="BLANK">
     <p:spTree>
       <p:nvGrpSpPr>
@@ -812,7 +829,9 @@
       <p:sp>
         <p:nvSpPr>
           <p:cNvPr id="100" name="Slide Number"/>
-          <p:cNvSpPr/>
+          <p:cNvSpPr>
+            <a:spLocks noGrp="1"/>
+          </p:cNvSpPr>
           <p:nvPr>
             <p:ph type="sldNum" sz="quarter" idx="2"/>
           </p:nvPr>
@@ -826,8 +845,10 @@
           <a:bodyPr/>
           <a:lstStyle/>
           <a:p>
-            <a:pPr/>
-            <a:fld id="{86CB4B4D-7CA3-9044-876B-883B54F8677D}" type="slidenum"/>
+            <a:fld id="{86CB4B4D-7CA3-9044-876B-883B54F8677D}" type="slidenum">
+              <a:t>‹#›</a:t>
+            </a:fld>
+            <a:endParaRPr/>
           </a:p>
         </p:txBody>
       </p:sp>
@@ -836,12 +857,12 @@
   <p:clrMapOvr>
     <a:masterClrMapping/>
   </p:clrMapOvr>
-  <p:transition xmlns:p14="http://schemas.microsoft.com/office/powerpoint/2010/main" spd="med" advClick="1"/>
+  <p:transition spd="med"/>
 </p:sldLayout>
 </file>
 
 <file path=ppt/slideLayouts/slideLayout2.xml><?xml version="1.0" encoding="utf-8"?>
-<p:sldLayout xmlns:a="http://schemas.openxmlformats.org/drawingml/2006/main" xmlns:r="http://schemas.openxmlformats.org/officeDocument/2006/relationships" xmlns:p="http://schemas.openxmlformats.org/presentationml/2006/main" type="tx" showMasterSp="1" showMasterPhAnim="1">
+<p:sldLayout xmlns:a="http://schemas.openxmlformats.org/drawingml/2006/main" xmlns:r="http://schemas.openxmlformats.org/officeDocument/2006/relationships" xmlns:p="http://schemas.openxmlformats.org/presentationml/2006/main" type="tx">
   <p:cSld name="SECTION_HEADER">
     <p:spTree>
       <p:nvGrpSpPr>
@@ -860,7 +881,9 @@
       <p:sp>
         <p:nvSpPr>
           <p:cNvPr id="20" name="Title Text"/>
-          <p:cNvSpPr/>
+          <p:cNvSpPr>
+            <a:spLocks noGrp="1"/>
+          </p:cNvSpPr>
           <p:nvPr>
             <p:ph type="title"/>
           </p:nvPr>
@@ -882,7 +905,6 @@
             </a:lvl1pPr>
           </a:lstStyle>
           <a:p>
-            <a:pPr/>
             <a:r>
               <a:t>Title Text</a:t>
             </a:r>
@@ -892,7 +914,9 @@
       <p:sp>
         <p:nvSpPr>
           <p:cNvPr id="21" name="Slide Number"/>
-          <p:cNvSpPr/>
+          <p:cNvSpPr>
+            <a:spLocks noGrp="1"/>
+          </p:cNvSpPr>
           <p:nvPr>
             <p:ph type="sldNum" sz="quarter" idx="2"/>
           </p:nvPr>
@@ -906,8 +930,10 @@
           <a:bodyPr/>
           <a:lstStyle/>
           <a:p>
-            <a:pPr/>
-            <a:fld id="{86CB4B4D-7CA3-9044-876B-883B54F8677D}" type="slidenum"/>
+            <a:fld id="{86CB4B4D-7CA3-9044-876B-883B54F8677D}" type="slidenum">
+              <a:t>‹#›</a:t>
+            </a:fld>
+            <a:endParaRPr/>
           </a:p>
         </p:txBody>
       </p:sp>
@@ -916,12 +942,12 @@
   <p:clrMapOvr>
     <a:masterClrMapping/>
   </p:clrMapOvr>
-  <p:transition xmlns:p14="http://schemas.microsoft.com/office/powerpoint/2010/main" spd="med" advClick="1"/>
+  <p:transition spd="med"/>
 </p:sldLayout>
 </file>
 
 <file path=ppt/slideLayouts/slideLayout3.xml><?xml version="1.0" encoding="utf-8"?>
-<p:sldLayout xmlns:a="http://schemas.openxmlformats.org/drawingml/2006/main" xmlns:r="http://schemas.openxmlformats.org/officeDocument/2006/relationships" xmlns:p="http://schemas.openxmlformats.org/presentationml/2006/main" type="tx" showMasterSp="1" showMasterPhAnim="1">
+<p:sldLayout xmlns:a="http://schemas.openxmlformats.org/drawingml/2006/main" xmlns:r="http://schemas.openxmlformats.org/officeDocument/2006/relationships" xmlns:p="http://schemas.openxmlformats.org/presentationml/2006/main" type="tx">
   <p:cSld name="TITLE_AND_BODY">
     <p:spTree>
       <p:nvGrpSpPr>
@@ -940,7 +966,9 @@
       <p:sp>
         <p:nvSpPr>
           <p:cNvPr id="28" name="Title Text"/>
-          <p:cNvSpPr/>
+          <p:cNvSpPr>
+            <a:spLocks noGrp="1"/>
+          </p:cNvSpPr>
           <p:nvPr>
             <p:ph type="title"/>
           </p:nvPr>
@@ -954,7 +982,6 @@
           <a:bodyPr/>
           <a:lstStyle/>
           <a:p>
-            <a:pPr/>
             <a:r>
               <a:t>Title Text</a:t>
             </a:r>
@@ -964,7 +991,9 @@
       <p:sp>
         <p:nvSpPr>
           <p:cNvPr id="29" name="Body Level One…"/>
-          <p:cNvSpPr/>
+          <p:cNvSpPr>
+            <a:spLocks noGrp="1"/>
+          </p:cNvSpPr>
           <p:nvPr>
             <p:ph type="body" idx="1"/>
           </p:nvPr>
@@ -978,7 +1007,6 @@
           <a:bodyPr/>
           <a:lstStyle/>
           <a:p>
-            <a:pPr/>
             <a:r>
               <a:t>Body Level One</a:t>
             </a:r>
@@ -1012,7 +1040,9 @@
       <p:sp>
         <p:nvSpPr>
           <p:cNvPr id="30" name="Slide Number"/>
-          <p:cNvSpPr/>
+          <p:cNvSpPr>
+            <a:spLocks noGrp="1"/>
+          </p:cNvSpPr>
           <p:nvPr>
             <p:ph type="sldNum" sz="quarter" idx="2"/>
           </p:nvPr>
@@ -1026,8 +1056,10 @@
           <a:bodyPr/>
           <a:lstStyle/>
           <a:p>
-            <a:pPr/>
-            <a:fld id="{86CB4B4D-7CA3-9044-876B-883B54F8677D}" type="slidenum"/>
+            <a:fld id="{86CB4B4D-7CA3-9044-876B-883B54F8677D}" type="slidenum">
+              <a:t>‹#›</a:t>
+            </a:fld>
+            <a:endParaRPr/>
           </a:p>
         </p:txBody>
       </p:sp>
@@ -1036,12 +1068,12 @@
   <p:clrMapOvr>
     <a:masterClrMapping/>
   </p:clrMapOvr>
-  <p:transition xmlns:p14="http://schemas.microsoft.com/office/powerpoint/2010/main" spd="med" advClick="1"/>
+  <p:transition spd="med"/>
 </p:sldLayout>
 </file>
 
 <file path=ppt/slideLayouts/slideLayout4.xml><?xml version="1.0" encoding="utf-8"?>
-<p:sldLayout xmlns:a="http://schemas.openxmlformats.org/drawingml/2006/main" xmlns:r="http://schemas.openxmlformats.org/officeDocument/2006/relationships" xmlns:p="http://schemas.openxmlformats.org/presentationml/2006/main" type="tx" showMasterSp="1" showMasterPhAnim="1">
+<p:sldLayout xmlns:a="http://schemas.openxmlformats.org/drawingml/2006/main" xmlns:r="http://schemas.openxmlformats.org/officeDocument/2006/relationships" xmlns:p="http://schemas.openxmlformats.org/presentationml/2006/main" type="tx">
   <p:cSld name="TITLE_AND_TWO_COLUMNS">
     <p:spTree>
       <p:nvGrpSpPr>
@@ -1060,7 +1092,9 @@
       <p:sp>
         <p:nvSpPr>
           <p:cNvPr id="37" name="Title Text"/>
-          <p:cNvSpPr/>
+          <p:cNvSpPr>
+            <a:spLocks noGrp="1"/>
+          </p:cNvSpPr>
           <p:nvPr>
             <p:ph type="title"/>
           </p:nvPr>
@@ -1074,7 +1108,6 @@
           <a:bodyPr/>
           <a:lstStyle/>
           <a:p>
-            <a:pPr/>
             <a:r>
               <a:t>Title Text</a:t>
             </a:r>
@@ -1084,7 +1117,9 @@
       <p:sp>
         <p:nvSpPr>
           <p:cNvPr id="38" name="Body Level One…"/>
-          <p:cNvSpPr/>
+          <p:cNvSpPr>
+            <a:spLocks noGrp="1"/>
+          </p:cNvSpPr>
           <p:nvPr>
             <p:ph type="body" sz="half" idx="1"/>
           </p:nvPr>
@@ -1123,7 +1158,6 @@
             </a:lvl5pPr>
           </a:lstStyle>
           <a:p>
-            <a:pPr/>
             <a:r>
               <a:t>Body Level One</a:t>
             </a:r>
@@ -1157,7 +1191,9 @@
       <p:sp>
         <p:nvSpPr>
           <p:cNvPr id="39" name="Shape 23"/>
-          <p:cNvSpPr/>
+          <p:cNvSpPr>
+            <a:spLocks noGrp="1"/>
+          </p:cNvSpPr>
           <p:nvPr>
             <p:ph type="body" sz="half" idx="13"/>
           </p:nvPr>
@@ -1179,13 +1215,16 @@
               <a:buSzPts val="1400"/>
               <a:defRPr sz="1400"/>
             </a:pPr>
+            <a:endParaRPr/>
           </a:p>
         </p:txBody>
       </p:sp>
       <p:sp>
         <p:nvSpPr>
           <p:cNvPr id="40" name="Slide Number"/>
-          <p:cNvSpPr/>
+          <p:cNvSpPr>
+            <a:spLocks noGrp="1"/>
+          </p:cNvSpPr>
           <p:nvPr>
             <p:ph type="sldNum" sz="quarter" idx="2"/>
           </p:nvPr>
@@ -1199,8 +1238,10 @@
           <a:bodyPr/>
           <a:lstStyle/>
           <a:p>
-            <a:pPr/>
-            <a:fld id="{86CB4B4D-7CA3-9044-876B-883B54F8677D}" type="slidenum"/>
+            <a:fld id="{86CB4B4D-7CA3-9044-876B-883B54F8677D}" type="slidenum">
+              <a:t>‹#›</a:t>
+            </a:fld>
+            <a:endParaRPr/>
           </a:p>
         </p:txBody>
       </p:sp>
@@ -1209,12 +1250,12 @@
   <p:clrMapOvr>
     <a:masterClrMapping/>
   </p:clrMapOvr>
-  <p:transition xmlns:p14="http://schemas.microsoft.com/office/powerpoint/2010/main" spd="med" advClick="1"/>
+  <p:transition spd="med"/>
 </p:sldLayout>
 </file>
 
 <file path=ppt/slideLayouts/slideLayout5.xml><?xml version="1.0" encoding="utf-8"?>
-<p:sldLayout xmlns:a="http://schemas.openxmlformats.org/drawingml/2006/main" xmlns:r="http://schemas.openxmlformats.org/officeDocument/2006/relationships" xmlns:p="http://schemas.openxmlformats.org/presentationml/2006/main" type="tx" showMasterSp="1" showMasterPhAnim="1">
+<p:sldLayout xmlns:a="http://schemas.openxmlformats.org/drawingml/2006/main" xmlns:r="http://schemas.openxmlformats.org/officeDocument/2006/relationships" xmlns:p="http://schemas.openxmlformats.org/presentationml/2006/main" type="tx">
   <p:cSld name="TITLE_ONLY">
     <p:spTree>
       <p:nvGrpSpPr>
@@ -1233,7 +1274,9 @@
       <p:sp>
         <p:nvSpPr>
           <p:cNvPr id="47" name="Title Text"/>
-          <p:cNvSpPr/>
+          <p:cNvSpPr>
+            <a:spLocks noGrp="1"/>
+          </p:cNvSpPr>
           <p:nvPr>
             <p:ph type="title"/>
           </p:nvPr>
@@ -1247,7 +1290,6 @@
           <a:bodyPr/>
           <a:lstStyle/>
           <a:p>
-            <a:pPr/>
             <a:r>
               <a:t>Title Text</a:t>
             </a:r>
@@ -1257,7 +1299,9 @@
       <p:sp>
         <p:nvSpPr>
           <p:cNvPr id="48" name="Slide Number"/>
-          <p:cNvSpPr/>
+          <p:cNvSpPr>
+            <a:spLocks noGrp="1"/>
+          </p:cNvSpPr>
           <p:nvPr>
             <p:ph type="sldNum" sz="quarter" idx="2"/>
           </p:nvPr>
@@ -1271,8 +1315,10 @@
           <a:bodyPr/>
           <a:lstStyle/>
           <a:p>
-            <a:pPr/>
-            <a:fld id="{86CB4B4D-7CA3-9044-876B-883B54F8677D}" type="slidenum"/>
+            <a:fld id="{86CB4B4D-7CA3-9044-876B-883B54F8677D}" type="slidenum">
+              <a:t>‹#›</a:t>
+            </a:fld>
+            <a:endParaRPr/>
           </a:p>
         </p:txBody>
       </p:sp>
@@ -1281,12 +1327,12 @@
   <p:clrMapOvr>
     <a:masterClrMapping/>
   </p:clrMapOvr>
-  <p:transition xmlns:p14="http://schemas.microsoft.com/office/powerpoint/2010/main" spd="med" advClick="1"/>
+  <p:transition spd="med"/>
 </p:sldLayout>
 </file>
 
 <file path=ppt/slideLayouts/slideLayout6.xml><?xml version="1.0" encoding="utf-8"?>
-<p:sldLayout xmlns:a="http://schemas.openxmlformats.org/drawingml/2006/main" xmlns:r="http://schemas.openxmlformats.org/officeDocument/2006/relationships" xmlns:p="http://schemas.openxmlformats.org/presentationml/2006/main" type="tx" showMasterSp="1" showMasterPhAnim="1">
+<p:sldLayout xmlns:a="http://schemas.openxmlformats.org/drawingml/2006/main" xmlns:r="http://schemas.openxmlformats.org/officeDocument/2006/relationships" xmlns:p="http://schemas.openxmlformats.org/presentationml/2006/main" type="tx">
   <p:cSld name="ONE_COLUMN_TEXT">
     <p:spTree>
       <p:nvGrpSpPr>
@@ -1305,7 +1351,9 @@
       <p:sp>
         <p:nvSpPr>
           <p:cNvPr id="55" name="Title Text"/>
-          <p:cNvSpPr/>
+          <p:cNvSpPr>
+            <a:spLocks noGrp="1"/>
+          </p:cNvSpPr>
           <p:nvPr>
             <p:ph type="title"/>
           </p:nvPr>
@@ -1327,7 +1375,6 @@
             </a:lvl1pPr>
           </a:lstStyle>
           <a:p>
-            <a:pPr/>
             <a:r>
               <a:t>Title Text</a:t>
             </a:r>
@@ -1337,7 +1384,9 @@
       <p:sp>
         <p:nvSpPr>
           <p:cNvPr id="56" name="Body Level One…"/>
-          <p:cNvSpPr/>
+          <p:cNvSpPr>
+            <a:spLocks noGrp="1"/>
+          </p:cNvSpPr>
           <p:nvPr>
             <p:ph type="body" sz="quarter" idx="1"/>
           </p:nvPr>
@@ -1376,7 +1425,6 @@
             </a:lvl5pPr>
           </a:lstStyle>
           <a:p>
-            <a:pPr/>
             <a:r>
               <a:t>Body Level One</a:t>
             </a:r>
@@ -1410,7 +1458,9 @@
       <p:sp>
         <p:nvSpPr>
           <p:cNvPr id="57" name="Slide Number"/>
-          <p:cNvSpPr/>
+          <p:cNvSpPr>
+            <a:spLocks noGrp="1"/>
+          </p:cNvSpPr>
           <p:nvPr>
             <p:ph type="sldNum" sz="quarter" idx="2"/>
           </p:nvPr>
@@ -1424,8 +1474,10 @@
           <a:bodyPr/>
           <a:lstStyle/>
           <a:p>
-            <a:pPr/>
-            <a:fld id="{86CB4B4D-7CA3-9044-876B-883B54F8677D}" type="slidenum"/>
+            <a:fld id="{86CB4B4D-7CA3-9044-876B-883B54F8677D}" type="slidenum">
+              <a:t>‹#›</a:t>
+            </a:fld>
+            <a:endParaRPr/>
           </a:p>
         </p:txBody>
       </p:sp>
@@ -1434,12 +1486,12 @@
   <p:clrMapOvr>
     <a:masterClrMapping/>
   </p:clrMapOvr>
-  <p:transition xmlns:p14="http://schemas.microsoft.com/office/powerpoint/2010/main" spd="med" advClick="1"/>
+  <p:transition spd="med"/>
 </p:sldLayout>
 </file>
 
 <file path=ppt/slideLayouts/slideLayout7.xml><?xml version="1.0" encoding="utf-8"?>
-<p:sldLayout xmlns:a="http://schemas.openxmlformats.org/drawingml/2006/main" xmlns:r="http://schemas.openxmlformats.org/officeDocument/2006/relationships" xmlns:p="http://schemas.openxmlformats.org/presentationml/2006/main" type="tx" showMasterSp="1" showMasterPhAnim="1">
+<p:sldLayout xmlns:a="http://schemas.openxmlformats.org/drawingml/2006/main" xmlns:r="http://schemas.openxmlformats.org/officeDocument/2006/relationships" xmlns:p="http://schemas.openxmlformats.org/presentationml/2006/main" type="tx">
   <p:cSld name="MAIN_POINT">
     <p:spTree>
       <p:nvGrpSpPr>
@@ -1458,7 +1510,9 @@
       <p:sp>
         <p:nvSpPr>
           <p:cNvPr id="64" name="Title Text"/>
-          <p:cNvSpPr/>
+          <p:cNvSpPr>
+            <a:spLocks noGrp="1"/>
+          </p:cNvSpPr>
           <p:nvPr>
             <p:ph type="title"/>
           </p:nvPr>
@@ -1480,7 +1534,6 @@
             </a:lvl1pPr>
           </a:lstStyle>
           <a:p>
-            <a:pPr/>
             <a:r>
               <a:t>Title Text</a:t>
             </a:r>
@@ -1490,7 +1543,9 @@
       <p:sp>
         <p:nvSpPr>
           <p:cNvPr id="65" name="Slide Number"/>
-          <p:cNvSpPr/>
+          <p:cNvSpPr>
+            <a:spLocks noGrp="1"/>
+          </p:cNvSpPr>
           <p:nvPr>
             <p:ph type="sldNum" sz="quarter" idx="2"/>
           </p:nvPr>
@@ -1504,8 +1559,10 @@
           <a:bodyPr/>
           <a:lstStyle/>
           <a:p>
-            <a:pPr/>
-            <a:fld id="{86CB4B4D-7CA3-9044-876B-883B54F8677D}" type="slidenum"/>
+            <a:fld id="{86CB4B4D-7CA3-9044-876B-883B54F8677D}" type="slidenum">
+              <a:t>‹#›</a:t>
+            </a:fld>
+            <a:endParaRPr/>
           </a:p>
         </p:txBody>
       </p:sp>
@@ -1514,12 +1571,12 @@
   <p:clrMapOvr>
     <a:masterClrMapping/>
   </p:clrMapOvr>
-  <p:transition xmlns:p14="http://schemas.microsoft.com/office/powerpoint/2010/main" spd="med" advClick="1"/>
+  <p:transition spd="med"/>
 </p:sldLayout>
 </file>
 
 <file path=ppt/slideLayouts/slideLayout8.xml><?xml version="1.0" encoding="utf-8"?>
-<p:sldLayout xmlns:a="http://schemas.openxmlformats.org/drawingml/2006/main" xmlns:r="http://schemas.openxmlformats.org/officeDocument/2006/relationships" xmlns:p="http://schemas.openxmlformats.org/presentationml/2006/main" type="tx" showMasterSp="1" showMasterPhAnim="1">
+<p:sldLayout xmlns:a="http://schemas.openxmlformats.org/drawingml/2006/main" xmlns:r="http://schemas.openxmlformats.org/officeDocument/2006/relationships" xmlns:p="http://schemas.openxmlformats.org/presentationml/2006/main" type="tx">
   <p:cSld name="SECTION_TITLE_AND_DESCRIPTION">
     <p:spTree>
       <p:nvGrpSpPr>
@@ -1560,14 +1617,16 @@
           <a:bodyPr lIns="45719" rIns="45719" anchor="ctr"/>
           <a:lstStyle/>
           <a:p>
-            <a:pPr/>
+            <a:endParaRPr/>
           </a:p>
         </p:txBody>
       </p:sp>
       <p:sp>
         <p:nvSpPr>
           <p:cNvPr id="73" name="Title Text"/>
-          <p:cNvSpPr/>
+          <p:cNvSpPr>
+            <a:spLocks noGrp="1"/>
+          </p:cNvSpPr>
           <p:nvPr>
             <p:ph type="title"/>
           </p:nvPr>
@@ -1589,7 +1648,6 @@
             </a:lvl1pPr>
           </a:lstStyle>
           <a:p>
-            <a:pPr/>
             <a:r>
               <a:t>Title Text</a:t>
             </a:r>
@@ -1599,7 +1657,9 @@
       <p:sp>
         <p:nvSpPr>
           <p:cNvPr id="74" name="Body Level One…"/>
-          <p:cNvSpPr/>
+          <p:cNvSpPr>
+            <a:spLocks noGrp="1"/>
+          </p:cNvSpPr>
           <p:nvPr>
             <p:ph type="body" sz="quarter" idx="1"/>
           </p:nvPr>
@@ -1668,7 +1728,6 @@
             </a:lvl5pPr>
           </a:lstStyle>
           <a:p>
-            <a:pPr/>
             <a:r>
               <a:t>Body Level One</a:t>
             </a:r>
@@ -1702,7 +1761,9 @@
       <p:sp>
         <p:nvSpPr>
           <p:cNvPr id="75" name="Shape 39"/>
-          <p:cNvSpPr/>
+          <p:cNvSpPr>
+            <a:spLocks noGrp="1"/>
+          </p:cNvSpPr>
           <p:nvPr>
             <p:ph type="body" sz="half" idx="13"/>
           </p:nvPr>
@@ -1720,14 +1781,16 @@
           <a:bodyPr anchor="ctr"/>
           <a:lstStyle/>
           <a:p>
-            <a:pPr/>
+            <a:endParaRPr/>
           </a:p>
         </p:txBody>
       </p:sp>
       <p:sp>
         <p:nvSpPr>
           <p:cNvPr id="76" name="Slide Number"/>
-          <p:cNvSpPr/>
+          <p:cNvSpPr>
+            <a:spLocks noGrp="1"/>
+          </p:cNvSpPr>
           <p:nvPr>
             <p:ph type="sldNum" sz="quarter" idx="2"/>
           </p:nvPr>
@@ -1741,8 +1804,10 @@
           <a:bodyPr/>
           <a:lstStyle/>
           <a:p>
-            <a:pPr/>
-            <a:fld id="{86CB4B4D-7CA3-9044-876B-883B54F8677D}" type="slidenum"/>
+            <a:fld id="{86CB4B4D-7CA3-9044-876B-883B54F8677D}" type="slidenum">
+              <a:t>‹#›</a:t>
+            </a:fld>
+            <a:endParaRPr/>
           </a:p>
         </p:txBody>
       </p:sp>
@@ -1751,12 +1816,12 @@
   <p:clrMapOvr>
     <a:masterClrMapping/>
   </p:clrMapOvr>
-  <p:transition xmlns:p14="http://schemas.microsoft.com/office/powerpoint/2010/main" spd="med" advClick="1"/>
+  <p:transition spd="med"/>
 </p:sldLayout>
 </file>
 
 <file path=ppt/slideLayouts/slideLayout9.xml><?xml version="1.0" encoding="utf-8"?>
-<p:sldLayout xmlns:a="http://schemas.openxmlformats.org/drawingml/2006/main" xmlns:r="http://schemas.openxmlformats.org/officeDocument/2006/relationships" xmlns:p="http://schemas.openxmlformats.org/presentationml/2006/main" type="tx" showMasterSp="1" showMasterPhAnim="1">
+<p:sldLayout xmlns:a="http://schemas.openxmlformats.org/drawingml/2006/main" xmlns:r="http://schemas.openxmlformats.org/officeDocument/2006/relationships" xmlns:p="http://schemas.openxmlformats.org/presentationml/2006/main" type="tx">
   <p:cSld name="CAPTION_ONLY">
     <p:spTree>
       <p:nvGrpSpPr>
@@ -1775,7 +1840,9 @@
       <p:sp>
         <p:nvSpPr>
           <p:cNvPr id="83" name="Body Level One…"/>
-          <p:cNvSpPr/>
+          <p:cNvSpPr>
+            <a:spLocks noGrp="1"/>
+          </p:cNvSpPr>
           <p:nvPr>
             <p:ph type="body" sz="quarter" idx="1"/>
           </p:nvPr>
@@ -1831,7 +1898,6 @@
             </a:lvl5pPr>
           </a:lstStyle>
           <a:p>
-            <a:pPr/>
             <a:r>
               <a:t>Body Level One</a:t>
             </a:r>
@@ -1865,7 +1931,9 @@
       <p:sp>
         <p:nvSpPr>
           <p:cNvPr id="84" name="Slide Number"/>
-          <p:cNvSpPr/>
+          <p:cNvSpPr>
+            <a:spLocks noGrp="1"/>
+          </p:cNvSpPr>
           <p:nvPr>
             <p:ph type="sldNum" sz="quarter" idx="2"/>
           </p:nvPr>
@@ -1879,8 +1947,10 @@
           <a:bodyPr/>
           <a:lstStyle/>
           <a:p>
-            <a:pPr/>
-            <a:fld id="{86CB4B4D-7CA3-9044-876B-883B54F8677D}" type="slidenum"/>
+            <a:fld id="{86CB4B4D-7CA3-9044-876B-883B54F8677D}" type="slidenum">
+              <a:t>‹#›</a:t>
+            </a:fld>
+            <a:endParaRPr/>
           </a:p>
         </p:txBody>
       </p:sp>
@@ -1889,7 +1959,7 @@
   <p:clrMapOvr>
     <a:masterClrMapping/>
   </p:clrMapOvr>
-  <p:transition xmlns:p14="http://schemas.microsoft.com/office/powerpoint/2010/main" spd="med" advClick="1"/>
+  <p:transition spd="med"/>
 </p:sldLayout>
 </file>
 
@@ -1901,6 +1971,7 @@
         <a:solidFill>
           <a:srgbClr val="FFFFFF"/>
         </a:solidFill>
+        <a:effectLst/>
       </p:bgPr>
     </p:bg>
     <p:spTree>
@@ -1920,7 +1991,9 @@
       <p:sp>
         <p:nvSpPr>
           <p:cNvPr id="2" name="Title Text"/>
-          <p:cNvSpPr/>
+          <p:cNvSpPr>
+            <a:spLocks noGrp="1"/>
+          </p:cNvSpPr>
           <p:nvPr>
             <p:ph type="title"/>
           </p:nvPr>
@@ -1938,17 +2011,16 @@
           </a:ln>
           <a:extLst>
             <a:ext uri="{C572A759-6A51-4108-AA02-DFA0A04FC94B}">
-              <ma14:wrappingTextBoxFlag xmlns:ma14="http://schemas.microsoft.com/office/mac/drawingml/2011/main" val="1"/>
+              <ma14:wrappingTextBoxFlag xmlns:ma14="http://schemas.microsoft.com/office/mac/drawingml/2011/main" xmlns="" val="1"/>
             </a:ext>
           </a:extLst>
         </p:spPr>
         <p:txBody>
           <a:bodyPr lIns="91424" tIns="91424" rIns="91424" bIns="91424">
-            <a:normAutofit fontScale="100000" lnSpcReduction="0"/>
+            <a:normAutofit/>
           </a:bodyPr>
           <a:lstStyle/>
           <a:p>
-            <a:pPr/>
             <a:r>
               <a:t>Title Text</a:t>
             </a:r>
@@ -1958,7 +2030,9 @@
       <p:sp>
         <p:nvSpPr>
           <p:cNvPr id="3" name="Body Level One…"/>
-          <p:cNvSpPr/>
+          <p:cNvSpPr>
+            <a:spLocks noGrp="1"/>
+          </p:cNvSpPr>
           <p:nvPr>
             <p:ph type="body" idx="1"/>
           </p:nvPr>
@@ -1976,17 +2050,16 @@
           </a:ln>
           <a:extLst>
             <a:ext uri="{C572A759-6A51-4108-AA02-DFA0A04FC94B}">
-              <ma14:wrappingTextBoxFlag xmlns:ma14="http://schemas.microsoft.com/office/mac/drawingml/2011/main" val="1"/>
+              <ma14:wrappingTextBoxFlag xmlns:ma14="http://schemas.microsoft.com/office/mac/drawingml/2011/main" xmlns="" val="1"/>
             </a:ext>
           </a:extLst>
         </p:spPr>
         <p:txBody>
           <a:bodyPr lIns="91424" tIns="91424" rIns="91424" bIns="91424">
-            <a:normAutofit fontScale="100000" lnSpcReduction="0"/>
+            <a:normAutofit/>
           </a:bodyPr>
           <a:lstStyle/>
           <a:p>
-            <a:pPr/>
             <a:r>
               <a:t>Body Level One</a:t>
             </a:r>
@@ -2020,7 +2093,9 @@
       <p:sp>
         <p:nvSpPr>
           <p:cNvPr id="4" name="Slide Number"/>
-          <p:cNvSpPr/>
+          <p:cNvSpPr>
+            <a:spLocks noGrp="1"/>
+          </p:cNvSpPr>
           <p:nvPr>
             <p:ph type="sldNum" sz="quarter" idx="2"/>
           </p:nvPr>
@@ -2053,8 +2128,10 @@
             </a:lvl1pPr>
           </a:lstStyle>
           <a:p>
-            <a:pPr/>
-            <a:fld id="{86CB4B4D-7CA3-9044-876B-883B54F8677D}" type="slidenum"/>
+            <a:fld id="{86CB4B4D-7CA3-9044-876B-883B54F8677D}" type="slidenum">
+              <a:t>‹#›</a:t>
+            </a:fld>
+            <a:endParaRPr/>
           </a:p>
         </p:txBody>
       </p:sp>
@@ -2062,19 +2139,19 @@
   </p:cSld>
   <p:clrMap bg1="lt1" tx1="dk1" bg2="lt2" tx2="dk2" accent1="accent1" accent2="accent2" accent3="accent3" accent4="accent4" accent5="accent5" accent6="accent6" hlink="hlink" folHlink="folHlink"/>
   <p:sldLayoutIdLst>
-    <p:sldLayoutId id="2147483649" r:id="rId2"/>
-    <p:sldLayoutId id="2147483650" r:id="rId3"/>
-    <p:sldLayoutId id="2147483651" r:id="rId4"/>
-    <p:sldLayoutId id="2147483652" r:id="rId5"/>
-    <p:sldLayoutId id="2147483653" r:id="rId6"/>
-    <p:sldLayoutId id="2147483654" r:id="rId7"/>
-    <p:sldLayoutId id="2147483655" r:id="rId8"/>
-    <p:sldLayoutId id="2147483656" r:id="rId9"/>
-    <p:sldLayoutId id="2147483657" r:id="rId10"/>
-    <p:sldLayoutId id="2147483658" r:id="rId11"/>
-    <p:sldLayoutId id="2147483659" r:id="rId12"/>
+    <p:sldLayoutId id="2147483649" r:id="rId1"/>
+    <p:sldLayoutId id="2147483650" r:id="rId2"/>
+    <p:sldLayoutId id="2147483651" r:id="rId3"/>
+    <p:sldLayoutId id="2147483652" r:id="rId4"/>
+    <p:sldLayoutId id="2147483653" r:id="rId5"/>
+    <p:sldLayoutId id="2147483654" r:id="rId6"/>
+    <p:sldLayoutId id="2147483655" r:id="rId7"/>
+    <p:sldLayoutId id="2147483656" r:id="rId8"/>
+    <p:sldLayoutId id="2147483657" r:id="rId9"/>
+    <p:sldLayoutId id="2147483658" r:id="rId10"/>
+    <p:sldLayoutId id="2147483659" r:id="rId11"/>
   </p:sldLayoutIdLst>
-  <p:transition xmlns:p14="http://schemas.microsoft.com/office/powerpoint/2010/main" spd="med" advClick="1"/>
+  <p:transition spd="med"/>
   <p:txStyles>
     <p:titleStyle>
       <a:lvl1pPr marL="0" marR="0" indent="0" algn="l" defTabSz="914400" rtl="0" latinLnBrk="0">
@@ -2092,7 +2169,7 @@
         <a:buFontTx/>
         <a:buNone/>
         <a:tabLst/>
-        <a:defRPr b="0" baseline="0" cap="none" i="0" spc="0" strike="noStrike" sz="2800" u="none">
+        <a:defRPr sz="2800" b="0" i="0" u="none" strike="noStrike" cap="none" spc="0" baseline="0">
           <a:ln>
             <a:noFill/>
           </a:ln>
@@ -2121,7 +2198,7 @@
         <a:buFontTx/>
         <a:buNone/>
         <a:tabLst/>
-        <a:defRPr b="0" baseline="0" cap="none" i="0" spc="0" strike="noStrike" sz="2800" u="none">
+        <a:defRPr sz="2800" b="0" i="0" u="none" strike="noStrike" cap="none" spc="0" baseline="0">
           <a:ln>
             <a:noFill/>
           </a:ln>
@@ -2150,7 +2227,7 @@
         <a:buFontTx/>
         <a:buNone/>
         <a:tabLst/>
-        <a:defRPr b="0" baseline="0" cap="none" i="0" spc="0" strike="noStrike" sz="2800" u="none">
+        <a:defRPr sz="2800" b="0" i="0" u="none" strike="noStrike" cap="none" spc="0" baseline="0">
           <a:ln>
             <a:noFill/>
           </a:ln>
@@ -2179,7 +2256,7 @@
         <a:buFontTx/>
         <a:buNone/>
         <a:tabLst/>
-        <a:defRPr b="0" baseline="0" cap="none" i="0" spc="0" strike="noStrike" sz="2800" u="none">
+        <a:defRPr sz="2800" b="0" i="0" u="none" strike="noStrike" cap="none" spc="0" baseline="0">
           <a:ln>
             <a:noFill/>
           </a:ln>
@@ -2208,7 +2285,7 @@
         <a:buFontTx/>
         <a:buNone/>
         <a:tabLst/>
-        <a:defRPr b="0" baseline="0" cap="none" i="0" spc="0" strike="noStrike" sz="2800" u="none">
+        <a:defRPr sz="2800" b="0" i="0" u="none" strike="noStrike" cap="none" spc="0" baseline="0">
           <a:ln>
             <a:noFill/>
           </a:ln>
@@ -2237,7 +2314,7 @@
         <a:buFontTx/>
         <a:buNone/>
         <a:tabLst/>
-        <a:defRPr b="0" baseline="0" cap="none" i="0" spc="0" strike="noStrike" sz="2800" u="none">
+        <a:defRPr sz="2800" b="0" i="0" u="none" strike="noStrike" cap="none" spc="0" baseline="0">
           <a:ln>
             <a:noFill/>
           </a:ln>
@@ -2266,7 +2343,7 @@
         <a:buFontTx/>
         <a:buNone/>
         <a:tabLst/>
-        <a:defRPr b="0" baseline="0" cap="none" i="0" spc="0" strike="noStrike" sz="2800" u="none">
+        <a:defRPr sz="2800" b="0" i="0" u="none" strike="noStrike" cap="none" spc="0" baseline="0">
           <a:ln>
             <a:noFill/>
           </a:ln>
@@ -2295,7 +2372,7 @@
         <a:buFontTx/>
         <a:buNone/>
         <a:tabLst/>
-        <a:defRPr b="0" baseline="0" cap="none" i="0" spc="0" strike="noStrike" sz="2800" u="none">
+        <a:defRPr sz="2800" b="0" i="0" u="none" strike="noStrike" cap="none" spc="0" baseline="0">
           <a:ln>
             <a:noFill/>
           </a:ln>
@@ -2324,7 +2401,7 @@
         <a:buFontTx/>
         <a:buNone/>
         <a:tabLst/>
-        <a:defRPr b="0" baseline="0" cap="none" i="0" spc="0" strike="noStrike" sz="2800" u="none">
+        <a:defRPr sz="2800" b="0" i="0" u="none" strike="noStrike" cap="none" spc="0" baseline="0">
           <a:ln>
             <a:noFill/>
           </a:ln>
@@ -2359,7 +2436,7 @@
         <a:buFont typeface="Arial"/>
         <a:buChar char="●"/>
         <a:tabLst/>
-        <a:defRPr b="0" baseline="0" cap="none" i="0" spc="0" strike="noStrike" sz="1800" u="none">
+        <a:defRPr sz="1800" b="0" i="0" u="none" strike="noStrike" cap="none" spc="0" baseline="0">
           <a:ln>
             <a:noFill/>
           </a:ln>
@@ -2394,7 +2471,7 @@
         <a:buFont typeface="Arial"/>
         <a:buChar char="○"/>
         <a:tabLst/>
-        <a:defRPr b="0" baseline="0" cap="none" i="0" spc="0" strike="noStrike" sz="1800" u="none">
+        <a:defRPr sz="1800" b="0" i="0" u="none" strike="noStrike" cap="none" spc="0" baseline="0">
           <a:ln>
             <a:noFill/>
           </a:ln>
@@ -2429,7 +2506,7 @@
         <a:buFont typeface="Arial"/>
         <a:buChar char="■"/>
         <a:tabLst/>
-        <a:defRPr b="0" baseline="0" cap="none" i="0" spc="0" strike="noStrike" sz="1800" u="none">
+        <a:defRPr sz="1800" b="0" i="0" u="none" strike="noStrike" cap="none" spc="0" baseline="0">
           <a:ln>
             <a:noFill/>
           </a:ln>
@@ -2464,7 +2541,7 @@
         <a:buFont typeface="Arial"/>
         <a:buChar char="●"/>
         <a:tabLst/>
-        <a:defRPr b="0" baseline="0" cap="none" i="0" spc="0" strike="noStrike" sz="1800" u="none">
+        <a:defRPr sz="1800" b="0" i="0" u="none" strike="noStrike" cap="none" spc="0" baseline="0">
           <a:ln>
             <a:noFill/>
           </a:ln>
@@ -2499,7 +2576,7 @@
         <a:buFont typeface="Arial"/>
         <a:buChar char="○"/>
         <a:tabLst/>
-        <a:defRPr b="0" baseline="0" cap="none" i="0" spc="0" strike="noStrike" sz="1800" u="none">
+        <a:defRPr sz="1800" b="0" i="0" u="none" strike="noStrike" cap="none" spc="0" baseline="0">
           <a:ln>
             <a:noFill/>
           </a:ln>
@@ -2534,7 +2611,7 @@
         <a:buFont typeface="Arial"/>
         <a:buChar char="■"/>
         <a:tabLst/>
-        <a:defRPr b="0" baseline="0" cap="none" i="0" spc="0" strike="noStrike" sz="1800" u="none">
+        <a:defRPr sz="1800" b="0" i="0" u="none" strike="noStrike" cap="none" spc="0" baseline="0">
           <a:ln>
             <a:noFill/>
           </a:ln>
@@ -2569,7 +2646,7 @@
         <a:buFont typeface="Arial"/>
         <a:buChar char="●"/>
         <a:tabLst/>
-        <a:defRPr b="0" baseline="0" cap="none" i="0" spc="0" strike="noStrike" sz="1800" u="none">
+        <a:defRPr sz="1800" b="0" i="0" u="none" strike="noStrike" cap="none" spc="0" baseline="0">
           <a:ln>
             <a:noFill/>
           </a:ln>
@@ -2604,7 +2681,7 @@
         <a:buFont typeface="Arial"/>
         <a:buChar char="○"/>
         <a:tabLst/>
-        <a:defRPr b="0" baseline="0" cap="none" i="0" spc="0" strike="noStrike" sz="1800" u="none">
+        <a:defRPr sz="1800" b="0" i="0" u="none" strike="noStrike" cap="none" spc="0" baseline="0">
           <a:ln>
             <a:noFill/>
           </a:ln>
@@ -2639,7 +2716,7 @@
         <a:buFont typeface="Arial"/>
         <a:buChar char="■"/>
         <a:tabLst/>
-        <a:defRPr b="0" baseline="0" cap="none" i="0" spc="0" strike="noStrike" sz="1800" u="none">
+        <a:defRPr sz="1800" b="0" i="0" u="none" strike="noStrike" cap="none" spc="0" baseline="0">
           <a:ln>
             <a:noFill/>
           </a:ln>
@@ -2672,7 +2749,7 @@
         <a:buFontTx/>
         <a:buNone/>
         <a:tabLst/>
-        <a:defRPr b="0" baseline="0" cap="none" i="0" spc="0" strike="noStrike" sz="1000" u="none">
+        <a:defRPr sz="1000" b="0" i="0" u="none" strike="noStrike" cap="none" spc="0" baseline="0">
           <a:ln>
             <a:noFill/>
           </a:ln>
@@ -2701,7 +2778,7 @@
         <a:buFontTx/>
         <a:buNone/>
         <a:tabLst/>
-        <a:defRPr b="0" baseline="0" cap="none" i="0" spc="0" strike="noStrike" sz="1000" u="none">
+        <a:defRPr sz="1000" b="0" i="0" u="none" strike="noStrike" cap="none" spc="0" baseline="0">
           <a:ln>
             <a:noFill/>
           </a:ln>
@@ -2730,7 +2807,7 @@
         <a:buFontTx/>
         <a:buNone/>
         <a:tabLst/>
-        <a:defRPr b="0" baseline="0" cap="none" i="0" spc="0" strike="noStrike" sz="1000" u="none">
+        <a:defRPr sz="1000" b="0" i="0" u="none" strike="noStrike" cap="none" spc="0" baseline="0">
           <a:ln>
             <a:noFill/>
           </a:ln>
@@ -2759,7 +2836,7 @@
         <a:buFontTx/>
         <a:buNone/>
         <a:tabLst/>
-        <a:defRPr b="0" baseline="0" cap="none" i="0" spc="0" strike="noStrike" sz="1000" u="none">
+        <a:defRPr sz="1000" b="0" i="0" u="none" strike="noStrike" cap="none" spc="0" baseline="0">
           <a:ln>
             <a:noFill/>
           </a:ln>
@@ -2788,7 +2865,7 @@
         <a:buFontTx/>
         <a:buNone/>
         <a:tabLst/>
-        <a:defRPr b="0" baseline="0" cap="none" i="0" spc="0" strike="noStrike" sz="1000" u="none">
+        <a:defRPr sz="1000" b="0" i="0" u="none" strike="noStrike" cap="none" spc="0" baseline="0">
           <a:ln>
             <a:noFill/>
           </a:ln>
@@ -2817,7 +2894,7 @@
         <a:buFontTx/>
         <a:buNone/>
         <a:tabLst/>
-        <a:defRPr b="0" baseline="0" cap="none" i="0" spc="0" strike="noStrike" sz="1000" u="none">
+        <a:defRPr sz="1000" b="0" i="0" u="none" strike="noStrike" cap="none" spc="0" baseline="0">
           <a:ln>
             <a:noFill/>
           </a:ln>
@@ -2846,7 +2923,7 @@
         <a:buFontTx/>
         <a:buNone/>
         <a:tabLst/>
-        <a:defRPr b="0" baseline="0" cap="none" i="0" spc="0" strike="noStrike" sz="1000" u="none">
+        <a:defRPr sz="1000" b="0" i="0" u="none" strike="noStrike" cap="none" spc="0" baseline="0">
           <a:ln>
             <a:noFill/>
           </a:ln>
@@ -2875,7 +2952,7 @@
         <a:buFontTx/>
         <a:buNone/>
         <a:tabLst/>
-        <a:defRPr b="0" baseline="0" cap="none" i="0" spc="0" strike="noStrike" sz="1000" u="none">
+        <a:defRPr sz="1000" b="0" i="0" u="none" strike="noStrike" cap="none" spc="0" baseline="0">
           <a:ln>
             <a:noFill/>
           </a:ln>
@@ -2904,7 +2981,7 @@
         <a:buFontTx/>
         <a:buNone/>
         <a:tabLst/>
-        <a:defRPr b="0" baseline="0" cap="none" i="0" spc="0" strike="noStrike" sz="1000" u="none">
+        <a:defRPr sz="1000" b="0" i="0" u="none" strike="noStrike" cap="none" spc="0" baseline="0">
           <a:ln>
             <a:noFill/>
           </a:ln>
@@ -2924,7 +3001,7 @@
 </file>
 
 <file path=ppt/slides/slide1.xml><?xml version="1.0" encoding="utf-8"?>
-<p:sld xmlns:a="http://schemas.openxmlformats.org/drawingml/2006/main" xmlns:r="http://schemas.openxmlformats.org/officeDocument/2006/relationships" xmlns:p="http://schemas.openxmlformats.org/presentationml/2006/main" showMasterSp="1" showMasterPhAnim="1">
+<p:sld xmlns:a="http://schemas.openxmlformats.org/drawingml/2006/main" xmlns:r="http://schemas.openxmlformats.org/officeDocument/2006/relationships" xmlns:p="http://schemas.openxmlformats.org/presentationml/2006/main">
   <p:cSld>
     <p:spTree>
       <p:nvGrpSpPr>
@@ -2947,7 +3024,7 @@
           <p:nvPr/>
         </p:nvSpPr>
         <p:spPr>
-          <a:xfrm flipH="1" rot="10800000">
+          <a:xfrm rot="10800000" flipH="1">
             <a:off x="-1" y="0"/>
             <a:ext cx="9163201" cy="5148001"/>
           </a:xfrm>
@@ -2971,7 +3048,7 @@
             </a:cxnLst>
             <a:rect l="0" t="0" r="r" b="b"/>
             <a:pathLst>
-              <a:path w="21600" h="21600" fill="norm" stroke="1" extrusionOk="0">
+              <a:path w="21600" h="21600" extrusionOk="0">
                 <a:moveTo>
                   <a:pt x="0" y="0"/>
                 </a:moveTo>
@@ -3010,7 +3087,7 @@
           <a:bodyPr lIns="45719" rIns="45719" anchor="ctr"/>
           <a:lstStyle/>
           <a:p>
-            <a:pPr/>
+            <a:endParaRPr/>
           </a:p>
         </p:txBody>
       </p:sp>
@@ -3033,7 +3110,7 @@
           </a:ln>
           <a:extLst>
             <a:ext uri="{C572A759-6A51-4108-AA02-DFA0A04FC94B}">
-              <ma14:wrappingTextBoxFlag xmlns:ma14="http://schemas.microsoft.com/office/mac/drawingml/2011/main" val="1"/>
+              <ma14:wrappingTextBoxFlag xmlns:ma14="http://schemas.microsoft.com/office/mac/drawingml/2011/main" xmlns="" val="1"/>
             </a:ext>
           </a:extLst>
         </p:spPr>
@@ -3055,7 +3132,6 @@
             </a:lvl1pPr>
           </a:lstStyle>
           <a:p>
-            <a:pPr/>
             <a:r>
               <a:t>Sprocket Central Pty Ltd</a:t>
             </a:r>
@@ -3081,7 +3157,7 @@
           </a:ln>
           <a:extLst>
             <a:ext uri="{C572A759-6A51-4108-AA02-DFA0A04FC94B}">
-              <ma14:wrappingTextBoxFlag xmlns:ma14="http://schemas.microsoft.com/office/mac/drawingml/2011/main" val="1"/>
+              <ma14:wrappingTextBoxFlag xmlns:ma14="http://schemas.microsoft.com/office/mac/drawingml/2011/main" xmlns="" val="1"/>
             </a:ext>
           </a:extLst>
         </p:spPr>
@@ -3103,7 +3179,6 @@
             </a:lvl1pPr>
           </a:lstStyle>
           <a:p>
-            <a:pPr/>
             <a:r>
               <a:t>Data analytics approach</a:t>
             </a:r>
@@ -3119,9 +3194,7 @@
           <p:nvPr/>
         </p:nvPicPr>
         <p:blipFill>
-          <a:blip r:embed="rId2">
-            <a:extLst/>
-          </a:blip>
+          <a:blip r:embed="rId2"/>
           <a:stretch>
             <a:fillRect/>
           </a:stretch>
@@ -3158,7 +3231,7 @@
           </a:ln>
           <a:extLst>
             <a:ext uri="{C572A759-6A51-4108-AA02-DFA0A04FC94B}">
-              <ma14:wrappingTextBoxFlag xmlns:ma14="http://schemas.microsoft.com/office/mac/drawingml/2011/main" val="1"/>
+              <ma14:wrappingTextBoxFlag xmlns:ma14="http://schemas.microsoft.com/office/mac/drawingml/2011/main" xmlns="" val="1"/>
             </a:ext>
           </a:extLst>
         </p:spPr>
@@ -3180,7 +3253,6 @@
             </a:lvl1pPr>
           </a:lstStyle>
           <a:p>
-            <a:pPr/>
             <a:r>
               <a:t>[Division Name] - [Engagement Manager], [Senior Consultant], [Junior Consultant]</a:t>
             </a:r>
@@ -3209,7 +3281,7 @@
           </a:ln>
           <a:extLst>
             <a:ext uri="{C572A759-6A51-4108-AA02-DFA0A04FC94B}">
-              <ma14:wrappingTextBoxFlag xmlns:ma14="http://schemas.microsoft.com/office/mac/drawingml/2011/main" val="1"/>
+              <ma14:wrappingTextBoxFlag xmlns:ma14="http://schemas.microsoft.com/office/mac/drawingml/2011/main" xmlns="" val="1"/>
             </a:ext>
           </a:extLst>
         </p:spPr>
@@ -3218,7 +3290,7 @@
           <a:lstStyle/>
           <a:p>
             <a:pPr defTabSz="457200">
-              <a:defRPr b="1" sz="500">
+              <a:defRPr sz="500" b="1">
                 <a:latin typeface="Calibri"/>
                 <a:ea typeface="Calibri"/>
                 <a:cs typeface="Calibri"/>
@@ -3240,12 +3312,12 @@
   <p:clrMapOvr>
     <a:masterClrMapping/>
   </p:clrMapOvr>
-  <p:transition xmlns:p14="http://schemas.microsoft.com/office/powerpoint/2010/main" spd="med" advClick="1"/>
+  <p:transition spd="med"/>
 </p:sld>
 </file>
 
 <file path=ppt/slides/slide2.xml><?xml version="1.0" encoding="utf-8"?>
-<p:sld xmlns:a="http://schemas.openxmlformats.org/drawingml/2006/main" xmlns:r="http://schemas.openxmlformats.org/officeDocument/2006/relationships" xmlns:p="http://schemas.openxmlformats.org/presentationml/2006/main" showMasterSp="1" showMasterPhAnim="1">
+<p:sld xmlns:a="http://schemas.openxmlformats.org/drawingml/2006/main" xmlns:r="http://schemas.openxmlformats.org/officeDocument/2006/relationships" xmlns:p="http://schemas.openxmlformats.org/presentationml/2006/main">
   <p:cSld>
     <p:spTree>
       <p:nvGrpSpPr>
@@ -3294,7 +3366,7 @@
           <a:bodyPr lIns="45719" rIns="45719" anchor="ctr"/>
           <a:lstStyle/>
           <a:p>
-            <a:pPr/>
+            <a:endParaRPr/>
           </a:p>
         </p:txBody>
       </p:sp>
@@ -3317,7 +3389,7 @@
           </a:ln>
           <a:extLst>
             <a:ext uri="{C572A759-6A51-4108-AA02-DFA0A04FC94B}">
-              <ma14:wrappingTextBoxFlag xmlns:ma14="http://schemas.microsoft.com/office/mac/drawingml/2011/main" val="1"/>
+              <ma14:wrappingTextBoxFlag xmlns:ma14="http://schemas.microsoft.com/office/mac/drawingml/2011/main" xmlns="" val="1"/>
             </a:ext>
           </a:extLst>
         </p:spPr>
@@ -3327,7 +3399,7 @@
           </a:bodyPr>
           <a:lstStyle>
             <a:lvl1pPr>
-              <a:defRPr b="1" sz="2000">
+              <a:defRPr sz="2000" b="1">
                 <a:solidFill>
                   <a:srgbClr val="FFFFFF"/>
                 </a:solidFill>
@@ -3335,7 +3407,6 @@
             </a:lvl1pPr>
           </a:lstStyle>
           <a:p>
-            <a:pPr/>
             <a:r>
               <a:t>Agenda</a:t>
             </a:r>
@@ -3361,7 +3432,7 @@
           </a:ln>
           <a:extLst>
             <a:ext uri="{C572A759-6A51-4108-AA02-DFA0A04FC94B}">
-              <ma14:wrappingTextBoxFlag xmlns:ma14="http://schemas.microsoft.com/office/mac/drawingml/2011/main" val="1"/>
+              <ma14:wrappingTextBoxFlag xmlns:ma14="http://schemas.microsoft.com/office/mac/drawingml/2011/main" xmlns="" val="1"/>
             </a:ext>
           </a:extLst>
         </p:spPr>
@@ -3379,7 +3450,7 @@
                 <a:srgbClr val="000000"/>
               </a:buClr>
               <a:buSzPts val="2000"/>
-              <a:buAutoNum type="arabicPeriod" startAt="1"/>
+              <a:buAutoNum type="arabicPeriod"/>
               <a:defRPr sz="2000">
                 <a:latin typeface="Open Sans"/>
                 <a:ea typeface="Open Sans"/>
@@ -3388,6 +3459,7 @@
               </a:defRPr>
             </a:pPr>
             <a:r>
+              <a:rPr dirty="0"/>
               <a:t>Introduction</a:t>
             </a:r>
           </a:p>
@@ -3400,7 +3472,7 @@
                 <a:srgbClr val="000000"/>
               </a:buClr>
               <a:buSzPts val="2000"/>
-              <a:buAutoNum type="arabicPeriod" startAt="1"/>
+              <a:buAutoNum type="arabicPeriod"/>
               <a:defRPr sz="2000">
                 <a:latin typeface="Open Sans"/>
                 <a:ea typeface="Open Sans"/>
@@ -3409,6 +3481,7 @@
               </a:defRPr>
             </a:pPr>
             <a:r>
+              <a:rPr dirty="0"/>
               <a:t>Data Exploration</a:t>
             </a:r>
           </a:p>
@@ -3421,7 +3494,7 @@
                 <a:srgbClr val="000000"/>
               </a:buClr>
               <a:buSzPts val="2000"/>
-              <a:buAutoNum type="arabicPeriod" startAt="1"/>
+              <a:buAutoNum type="arabicPeriod"/>
               <a:defRPr sz="2000">
                 <a:latin typeface="Open Sans"/>
                 <a:ea typeface="Open Sans"/>
@@ -3430,6 +3503,7 @@
               </a:defRPr>
             </a:pPr>
             <a:r>
+              <a:rPr dirty="0"/>
               <a:t>Model Development</a:t>
             </a:r>
           </a:p>
@@ -3442,7 +3516,7 @@
                 <a:srgbClr val="000000"/>
               </a:buClr>
               <a:buSzPts val="2000"/>
-              <a:buAutoNum type="arabicPeriod" startAt="1"/>
+              <a:buAutoNum type="arabicPeriod"/>
               <a:defRPr sz="2000">
                 <a:latin typeface="Open Sans"/>
                 <a:ea typeface="Open Sans"/>
@@ -3451,6 +3525,7 @@
               </a:defRPr>
             </a:pPr>
             <a:r>
+              <a:rPr dirty="0"/>
               <a:t>Interpretation</a:t>
             </a:r>
           </a:p>
@@ -3478,7 +3553,7 @@
           </a:ln>
           <a:extLst>
             <a:ext uri="{C572A759-6A51-4108-AA02-DFA0A04FC94B}">
-              <ma14:wrappingTextBoxFlag xmlns:ma14="http://schemas.microsoft.com/office/mac/drawingml/2011/main" val="1"/>
+              <ma14:wrappingTextBoxFlag xmlns:ma14="http://schemas.microsoft.com/office/mac/drawingml/2011/main" xmlns="" val="1"/>
             </a:ext>
           </a:extLst>
         </p:spPr>
@@ -3487,7 +3562,7 @@
           <a:lstStyle/>
           <a:p>
             <a:pPr defTabSz="457200">
-              <a:defRPr b="1" sz="500">
+              <a:defRPr sz="500" b="1">
                 <a:latin typeface="Calibri"/>
                 <a:ea typeface="Calibri"/>
                 <a:cs typeface="Calibri"/>
@@ -3509,12 +3584,12 @@
   <p:clrMapOvr>
     <a:masterClrMapping/>
   </p:clrMapOvr>
-  <p:transition xmlns:p14="http://schemas.microsoft.com/office/powerpoint/2010/main" spd="med" advClick="1"/>
+  <p:transition spd="med"/>
 </p:sld>
 </file>
 
 <file path=ppt/slides/slide3.xml><?xml version="1.0" encoding="utf-8"?>
-<p:sld xmlns:a="http://schemas.openxmlformats.org/drawingml/2006/main" xmlns:r="http://schemas.openxmlformats.org/officeDocument/2006/relationships" xmlns:p="http://schemas.openxmlformats.org/presentationml/2006/main" showMasterSp="1" showMasterPhAnim="1">
+<p:sld xmlns:a="http://schemas.openxmlformats.org/drawingml/2006/main" xmlns:r="http://schemas.openxmlformats.org/officeDocument/2006/relationships" xmlns:p="http://schemas.openxmlformats.org/presentationml/2006/main">
   <p:cSld>
     <p:spTree>
       <p:nvGrpSpPr>
@@ -3563,7 +3638,7 @@
           <a:bodyPr lIns="45719" rIns="45719" anchor="ctr"/>
           <a:lstStyle/>
           <a:p>
-            <a:pPr/>
+            <a:endParaRPr/>
           </a:p>
         </p:txBody>
       </p:sp>
@@ -3586,7 +3661,7 @@
           </a:ln>
           <a:extLst>
             <a:ext uri="{C572A759-6A51-4108-AA02-DFA0A04FC94B}">
-              <ma14:wrappingTextBoxFlag xmlns:ma14="http://schemas.microsoft.com/office/mac/drawingml/2011/main" val="1"/>
+              <ma14:wrappingTextBoxFlag xmlns:ma14="http://schemas.microsoft.com/office/mac/drawingml/2011/main" xmlns="" val="1"/>
             </a:ext>
           </a:extLst>
         </p:spPr>
@@ -3596,7 +3671,7 @@
           </a:bodyPr>
           <a:lstStyle>
             <a:lvl1pPr>
-              <a:defRPr b="1" sz="2000">
+              <a:defRPr sz="2000" b="1">
                 <a:solidFill>
                   <a:srgbClr val="FFFFFF"/>
                 </a:solidFill>
@@ -3604,7 +3679,6 @@
             </a:lvl1pPr>
           </a:lstStyle>
           <a:p>
-            <a:pPr/>
             <a:r>
               <a:t>Introduction</a:t>
             </a:r>
@@ -3620,7 +3694,7 @@
         <p:spPr>
           <a:xfrm>
             <a:off x="205025" y="1083299"/>
-            <a:ext cx="8565600" cy="920086"/>
+            <a:ext cx="8565600" cy="516327"/>
           </a:xfrm>
           <a:prstGeom prst="rect">
             <a:avLst/>
@@ -3630,7 +3704,7 @@
           </a:ln>
           <a:extLst>
             <a:ext uri="{C572A759-6A51-4108-AA02-DFA0A04FC94B}">
-              <ma14:wrappingTextBoxFlag xmlns:ma14="http://schemas.microsoft.com/office/mac/drawingml/2011/main" val="1"/>
+              <ma14:wrappingTextBoxFlag xmlns:ma14="http://schemas.microsoft.com/office/mac/drawingml/2011/main" xmlns="" val="1"/>
             </a:ext>
           </a:extLst>
         </p:spPr>
@@ -3643,7 +3717,7 @@
               <a:lnSpc>
                 <a:spcPct val="115000"/>
               </a:lnSpc>
-              <a:defRPr b="1" sz="2000">
+              <a:defRPr sz="2000" b="1">
                 <a:latin typeface="Open Sans"/>
                 <a:ea typeface="Open Sans"/>
                 <a:cs typeface="Open Sans"/>
@@ -3652,10 +3726,11 @@
             </a:lvl1pPr>
           </a:lstStyle>
           <a:p>
-            <a:pPr/>
-            <a:r>
-              <a:t>Place headline insight or information here. This should be the most important point for this slide.</a:t>
-            </a:r>
+            <a:r>
+              <a:rPr lang="en-US" dirty="0"/>
+              <a:t>Identify most valuable customers</a:t>
+            </a:r>
+            <a:endParaRPr dirty="0"/>
           </a:p>
         </p:txBody>
       </p:sp>
@@ -3678,7 +3753,7 @@
           </a:ln>
           <a:extLst>
             <a:ext uri="{C572A759-6A51-4108-AA02-DFA0A04FC94B}">
-              <ma14:wrappingTextBoxFlag xmlns:ma14="http://schemas.microsoft.com/office/mac/drawingml/2011/main" val="1"/>
+              <ma14:wrappingTextBoxFlag xmlns:ma14="http://schemas.microsoft.com/office/mac/drawingml/2011/main" xmlns="" val="1"/>
             </a:ext>
           </a:extLst>
         </p:spPr>
@@ -3700,8 +3775,8 @@
             </a:lvl1pPr>
           </a:lstStyle>
           <a:p>
-            <a:pPr/>
-            <a:r>
+            <a:r>
+              <a:rPr dirty="0"/>
               <a:t>Place any information about this point here.</a:t>
             </a:r>
           </a:p>
@@ -3757,6 +3832,7 @@
                   </a:solidFill>
                 </a:defRPr>
               </a:pPr>
+              <a:endParaRPr/>
             </a:p>
           </p:txBody>
         </p:sp>
@@ -3782,7 +3858,7 @@
             <a:effectLst/>
             <a:extLst>
               <a:ext uri="{C572A759-6A51-4108-AA02-DFA0A04FC94B}">
-                <ma14:wrappingTextBoxFlag xmlns:ma14="http://schemas.microsoft.com/office/mac/drawingml/2011/main" val="1"/>
+                <ma14:wrappingTextBoxFlag xmlns:ma14="http://schemas.microsoft.com/office/mac/drawingml/2011/main" xmlns="" val="1"/>
               </a:ext>
             </a:extLst>
           </p:spPr>
@@ -3800,8 +3876,8 @@
               </a:lvl1pPr>
             </a:lstStyle>
             <a:p>
-              <a:pPr/>
               <a:r>
+                <a:rPr dirty="0"/>
                 <a:t>Place any supporting images, graphs, data or extra text here.</a:t>
               </a:r>
             </a:p>
@@ -3830,7 +3906,7 @@
           </a:ln>
           <a:extLst>
             <a:ext uri="{C572A759-6A51-4108-AA02-DFA0A04FC94B}">
-              <ma14:wrappingTextBoxFlag xmlns:ma14="http://schemas.microsoft.com/office/mac/drawingml/2011/main" val="1"/>
+              <ma14:wrappingTextBoxFlag xmlns:ma14="http://schemas.microsoft.com/office/mac/drawingml/2011/main" xmlns="" val="1"/>
             </a:ext>
           </a:extLst>
         </p:spPr>
@@ -3839,7 +3915,7 @@
           <a:lstStyle/>
           <a:p>
             <a:pPr defTabSz="457200">
-              <a:defRPr b="1" sz="500">
+              <a:defRPr sz="500" b="1">
                 <a:latin typeface="Calibri"/>
                 <a:ea typeface="Calibri"/>
                 <a:cs typeface="Calibri"/>
@@ -3861,12 +3937,12 @@
   <p:clrMapOvr>
     <a:masterClrMapping/>
   </p:clrMapOvr>
-  <p:transition xmlns:p14="http://schemas.microsoft.com/office/powerpoint/2010/main" spd="med" advClick="1"/>
+  <p:transition spd="med"/>
 </p:sld>
 </file>
 
 <file path=ppt/slides/slide4.xml><?xml version="1.0" encoding="utf-8"?>
-<p:sld xmlns:a="http://schemas.openxmlformats.org/drawingml/2006/main" xmlns:r="http://schemas.openxmlformats.org/officeDocument/2006/relationships" xmlns:p="http://schemas.openxmlformats.org/presentationml/2006/main" showMasterSp="1" showMasterPhAnim="1">
+<p:sld xmlns:a="http://schemas.openxmlformats.org/drawingml/2006/main" xmlns:r="http://schemas.openxmlformats.org/officeDocument/2006/relationships" xmlns:p="http://schemas.openxmlformats.org/presentationml/2006/main">
   <p:cSld>
     <p:spTree>
       <p:nvGrpSpPr>
@@ -3915,7 +3991,7 @@
           <a:bodyPr lIns="45719" rIns="45719" anchor="ctr"/>
           <a:lstStyle/>
           <a:p>
-            <a:pPr/>
+            <a:endParaRPr/>
           </a:p>
         </p:txBody>
       </p:sp>
@@ -3938,7 +4014,7 @@
           </a:ln>
           <a:extLst>
             <a:ext uri="{C572A759-6A51-4108-AA02-DFA0A04FC94B}">
-              <ma14:wrappingTextBoxFlag xmlns:ma14="http://schemas.microsoft.com/office/mac/drawingml/2011/main" val="1"/>
+              <ma14:wrappingTextBoxFlag xmlns:ma14="http://schemas.microsoft.com/office/mac/drawingml/2011/main" xmlns="" val="1"/>
             </a:ext>
           </a:extLst>
         </p:spPr>
@@ -3948,7 +4024,7 @@
           </a:bodyPr>
           <a:lstStyle>
             <a:lvl1pPr>
-              <a:defRPr b="1" sz="2000">
+              <a:defRPr sz="2000" b="1">
                 <a:solidFill>
                   <a:srgbClr val="FFFFFF"/>
                 </a:solidFill>
@@ -3956,7 +4032,6 @@
             </a:lvl1pPr>
           </a:lstStyle>
           <a:p>
-            <a:pPr/>
             <a:r>
               <a:t>Data Exploration</a:t>
             </a:r>
@@ -3982,7 +4057,7 @@
           </a:ln>
           <a:extLst>
             <a:ext uri="{C572A759-6A51-4108-AA02-DFA0A04FC94B}">
-              <ma14:wrappingTextBoxFlag xmlns:ma14="http://schemas.microsoft.com/office/mac/drawingml/2011/main" val="1"/>
+              <ma14:wrappingTextBoxFlag xmlns:ma14="http://schemas.microsoft.com/office/mac/drawingml/2011/main" xmlns="" val="1"/>
             </a:ext>
           </a:extLst>
         </p:spPr>
@@ -3995,7 +4070,7 @@
               <a:lnSpc>
                 <a:spcPct val="115000"/>
               </a:lnSpc>
-              <a:defRPr b="1" sz="2000">
+              <a:defRPr sz="2000" b="1">
                 <a:latin typeface="Open Sans"/>
                 <a:ea typeface="Open Sans"/>
                 <a:cs typeface="Open Sans"/>
@@ -4004,7 +4079,6 @@
             </a:lvl1pPr>
           </a:lstStyle>
           <a:p>
-            <a:pPr/>
             <a:r>
               <a:t>Place headline insight or information here. This should be the most important point for this slide.</a:t>
             </a:r>
@@ -4030,7 +4104,7 @@
           </a:ln>
           <a:extLst>
             <a:ext uri="{C572A759-6A51-4108-AA02-DFA0A04FC94B}">
-              <ma14:wrappingTextBoxFlag xmlns:ma14="http://schemas.microsoft.com/office/mac/drawingml/2011/main" val="1"/>
+              <ma14:wrappingTextBoxFlag xmlns:ma14="http://schemas.microsoft.com/office/mac/drawingml/2011/main" xmlns="" val="1"/>
             </a:ext>
           </a:extLst>
         </p:spPr>
@@ -4052,7 +4126,6 @@
             </a:lvl1pPr>
           </a:lstStyle>
           <a:p>
-            <a:pPr/>
             <a:r>
               <a:t>Place any information about this point here.</a:t>
             </a:r>
@@ -4109,6 +4182,7 @@
                   </a:solidFill>
                 </a:defRPr>
               </a:pPr>
+              <a:endParaRPr/>
             </a:p>
           </p:txBody>
         </p:sp>
@@ -4134,7 +4208,7 @@
             <a:effectLst/>
             <a:extLst>
               <a:ext uri="{C572A759-6A51-4108-AA02-DFA0A04FC94B}">
-                <ma14:wrappingTextBoxFlag xmlns:ma14="http://schemas.microsoft.com/office/mac/drawingml/2011/main" val="1"/>
+                <ma14:wrappingTextBoxFlag xmlns:ma14="http://schemas.microsoft.com/office/mac/drawingml/2011/main" xmlns="" val="1"/>
               </a:ext>
             </a:extLst>
           </p:spPr>
@@ -4152,7 +4226,6 @@
               </a:lvl1pPr>
             </a:lstStyle>
             <a:p>
-              <a:pPr/>
               <a:r>
                 <a:t>Place any supporting images, graphs, data or extra text here.</a:t>
               </a:r>
@@ -4182,7 +4255,7 @@
           </a:ln>
           <a:extLst>
             <a:ext uri="{C572A759-6A51-4108-AA02-DFA0A04FC94B}">
-              <ma14:wrappingTextBoxFlag xmlns:ma14="http://schemas.microsoft.com/office/mac/drawingml/2011/main" val="1"/>
+              <ma14:wrappingTextBoxFlag xmlns:ma14="http://schemas.microsoft.com/office/mac/drawingml/2011/main" xmlns="" val="1"/>
             </a:ext>
           </a:extLst>
         </p:spPr>
@@ -4191,7 +4264,7 @@
           <a:lstStyle/>
           <a:p>
             <a:pPr defTabSz="457200">
-              <a:defRPr b="1" sz="500">
+              <a:defRPr sz="500" b="1">
                 <a:latin typeface="Calibri"/>
                 <a:ea typeface="Calibri"/>
                 <a:cs typeface="Calibri"/>
@@ -4213,12 +4286,12 @@
   <p:clrMapOvr>
     <a:masterClrMapping/>
   </p:clrMapOvr>
-  <p:transition xmlns:p14="http://schemas.microsoft.com/office/powerpoint/2010/main" spd="med" advClick="1"/>
+  <p:transition spd="med"/>
 </p:sld>
 </file>
 
 <file path=ppt/slides/slide5.xml><?xml version="1.0" encoding="utf-8"?>
-<p:sld xmlns:a="http://schemas.openxmlformats.org/drawingml/2006/main" xmlns:r="http://schemas.openxmlformats.org/officeDocument/2006/relationships" xmlns:p="http://schemas.openxmlformats.org/presentationml/2006/main" showMasterSp="1" showMasterPhAnim="1">
+<p:sld xmlns:a="http://schemas.openxmlformats.org/drawingml/2006/main" xmlns:r="http://schemas.openxmlformats.org/officeDocument/2006/relationships" xmlns:p="http://schemas.openxmlformats.org/presentationml/2006/main">
   <p:cSld>
     <p:spTree>
       <p:nvGrpSpPr>
@@ -4267,7 +4340,7 @@
           <a:bodyPr lIns="45719" rIns="45719" anchor="ctr"/>
           <a:lstStyle/>
           <a:p>
-            <a:pPr/>
+            <a:endParaRPr/>
           </a:p>
         </p:txBody>
       </p:sp>
@@ -4290,7 +4363,7 @@
           </a:ln>
           <a:extLst>
             <a:ext uri="{C572A759-6A51-4108-AA02-DFA0A04FC94B}">
-              <ma14:wrappingTextBoxFlag xmlns:ma14="http://schemas.microsoft.com/office/mac/drawingml/2011/main" val="1"/>
+              <ma14:wrappingTextBoxFlag xmlns:ma14="http://schemas.microsoft.com/office/mac/drawingml/2011/main" xmlns="" val="1"/>
             </a:ext>
           </a:extLst>
         </p:spPr>
@@ -4300,7 +4373,7 @@
           </a:bodyPr>
           <a:lstStyle>
             <a:lvl1pPr>
-              <a:defRPr b="1" sz="2000">
+              <a:defRPr sz="2000" b="1">
                 <a:solidFill>
                   <a:srgbClr val="FFFFFF"/>
                 </a:solidFill>
@@ -4308,7 +4381,6 @@
             </a:lvl1pPr>
           </a:lstStyle>
           <a:p>
-            <a:pPr/>
             <a:r>
               <a:t>Model Development</a:t>
             </a:r>
@@ -4334,7 +4406,7 @@
           </a:ln>
           <a:extLst>
             <a:ext uri="{C572A759-6A51-4108-AA02-DFA0A04FC94B}">
-              <ma14:wrappingTextBoxFlag xmlns:ma14="http://schemas.microsoft.com/office/mac/drawingml/2011/main" val="1"/>
+              <ma14:wrappingTextBoxFlag xmlns:ma14="http://schemas.microsoft.com/office/mac/drawingml/2011/main" xmlns="" val="1"/>
             </a:ext>
           </a:extLst>
         </p:spPr>
@@ -4347,7 +4419,7 @@
               <a:lnSpc>
                 <a:spcPct val="115000"/>
               </a:lnSpc>
-              <a:defRPr b="1" sz="2000">
+              <a:defRPr sz="2000" b="1">
                 <a:latin typeface="Open Sans"/>
                 <a:ea typeface="Open Sans"/>
                 <a:cs typeface="Open Sans"/>
@@ -4356,7 +4428,6 @@
             </a:lvl1pPr>
           </a:lstStyle>
           <a:p>
-            <a:pPr/>
             <a:r>
               <a:t>Place headline insight or information here. This should be the most important point for this slide.</a:t>
             </a:r>
@@ -4382,7 +4453,7 @@
           </a:ln>
           <a:extLst>
             <a:ext uri="{C572A759-6A51-4108-AA02-DFA0A04FC94B}">
-              <ma14:wrappingTextBoxFlag xmlns:ma14="http://schemas.microsoft.com/office/mac/drawingml/2011/main" val="1"/>
+              <ma14:wrappingTextBoxFlag xmlns:ma14="http://schemas.microsoft.com/office/mac/drawingml/2011/main" xmlns="" val="1"/>
             </a:ext>
           </a:extLst>
         </p:spPr>
@@ -4404,7 +4475,6 @@
             </a:lvl1pPr>
           </a:lstStyle>
           <a:p>
-            <a:pPr/>
             <a:r>
               <a:t>Place any information about this point here.</a:t>
             </a:r>
@@ -4461,6 +4531,7 @@
                   </a:solidFill>
                 </a:defRPr>
               </a:pPr>
+              <a:endParaRPr/>
             </a:p>
           </p:txBody>
         </p:sp>
@@ -4486,7 +4557,7 @@
             <a:effectLst/>
             <a:extLst>
               <a:ext uri="{C572A759-6A51-4108-AA02-DFA0A04FC94B}">
-                <ma14:wrappingTextBoxFlag xmlns:ma14="http://schemas.microsoft.com/office/mac/drawingml/2011/main" val="1"/>
+                <ma14:wrappingTextBoxFlag xmlns:ma14="http://schemas.microsoft.com/office/mac/drawingml/2011/main" xmlns="" val="1"/>
               </a:ext>
             </a:extLst>
           </p:spPr>
@@ -4504,7 +4575,6 @@
               </a:lvl1pPr>
             </a:lstStyle>
             <a:p>
-              <a:pPr/>
               <a:r>
                 <a:t>Place any supporting images, graphs, data or extra text here.</a:t>
               </a:r>
@@ -4534,7 +4604,7 @@
           </a:ln>
           <a:extLst>
             <a:ext uri="{C572A759-6A51-4108-AA02-DFA0A04FC94B}">
-              <ma14:wrappingTextBoxFlag xmlns:ma14="http://schemas.microsoft.com/office/mac/drawingml/2011/main" val="1"/>
+              <ma14:wrappingTextBoxFlag xmlns:ma14="http://schemas.microsoft.com/office/mac/drawingml/2011/main" xmlns="" val="1"/>
             </a:ext>
           </a:extLst>
         </p:spPr>
@@ -4543,7 +4613,7 @@
           <a:lstStyle/>
           <a:p>
             <a:pPr defTabSz="457200">
-              <a:defRPr b="1" sz="500">
+              <a:defRPr sz="500" b="1">
                 <a:latin typeface="Calibri"/>
                 <a:ea typeface="Calibri"/>
                 <a:cs typeface="Calibri"/>
@@ -4565,12 +4635,12 @@
   <p:clrMapOvr>
     <a:masterClrMapping/>
   </p:clrMapOvr>
-  <p:transition xmlns:p14="http://schemas.microsoft.com/office/powerpoint/2010/main" spd="med" advClick="1"/>
+  <p:transition spd="med"/>
 </p:sld>
 </file>
 
 <file path=ppt/slides/slide6.xml><?xml version="1.0" encoding="utf-8"?>
-<p:sld xmlns:a="http://schemas.openxmlformats.org/drawingml/2006/main" xmlns:r="http://schemas.openxmlformats.org/officeDocument/2006/relationships" xmlns:p="http://schemas.openxmlformats.org/presentationml/2006/main" showMasterSp="1" showMasterPhAnim="1">
+<p:sld xmlns:a="http://schemas.openxmlformats.org/drawingml/2006/main" xmlns:r="http://schemas.openxmlformats.org/officeDocument/2006/relationships" xmlns:p="http://schemas.openxmlformats.org/presentationml/2006/main">
   <p:cSld>
     <p:spTree>
       <p:nvGrpSpPr>
@@ -4619,7 +4689,7 @@
           <a:bodyPr lIns="45719" rIns="45719" anchor="ctr"/>
           <a:lstStyle/>
           <a:p>
-            <a:pPr/>
+            <a:endParaRPr/>
           </a:p>
         </p:txBody>
       </p:sp>
@@ -4642,7 +4712,7 @@
           </a:ln>
           <a:extLst>
             <a:ext uri="{C572A759-6A51-4108-AA02-DFA0A04FC94B}">
-              <ma14:wrappingTextBoxFlag xmlns:ma14="http://schemas.microsoft.com/office/mac/drawingml/2011/main" val="1"/>
+              <ma14:wrappingTextBoxFlag xmlns:ma14="http://schemas.microsoft.com/office/mac/drawingml/2011/main" xmlns="" val="1"/>
             </a:ext>
           </a:extLst>
         </p:spPr>
@@ -4652,7 +4722,7 @@
           </a:bodyPr>
           <a:lstStyle>
             <a:lvl1pPr>
-              <a:defRPr b="1" sz="2000">
+              <a:defRPr sz="2000" b="1">
                 <a:solidFill>
                   <a:srgbClr val="FFFFFF"/>
                 </a:solidFill>
@@ -4660,7 +4730,6 @@
             </a:lvl1pPr>
           </a:lstStyle>
           <a:p>
-            <a:pPr/>
             <a:r>
               <a:t>Interpretation</a:t>
             </a:r>
@@ -4686,7 +4755,7 @@
           </a:ln>
           <a:extLst>
             <a:ext uri="{C572A759-6A51-4108-AA02-DFA0A04FC94B}">
-              <ma14:wrappingTextBoxFlag xmlns:ma14="http://schemas.microsoft.com/office/mac/drawingml/2011/main" val="1"/>
+              <ma14:wrappingTextBoxFlag xmlns:ma14="http://schemas.microsoft.com/office/mac/drawingml/2011/main" xmlns="" val="1"/>
             </a:ext>
           </a:extLst>
         </p:spPr>
@@ -4699,7 +4768,7 @@
               <a:lnSpc>
                 <a:spcPct val="115000"/>
               </a:lnSpc>
-              <a:defRPr b="1" sz="2000">
+              <a:defRPr sz="2000" b="1">
                 <a:latin typeface="Open Sans"/>
                 <a:ea typeface="Open Sans"/>
                 <a:cs typeface="Open Sans"/>
@@ -4708,7 +4777,6 @@
             </a:lvl1pPr>
           </a:lstStyle>
           <a:p>
-            <a:pPr/>
             <a:r>
               <a:t>Place headline insight or information here. This should be the most important point for this slide.</a:t>
             </a:r>
@@ -4734,7 +4802,7 @@
           </a:ln>
           <a:extLst>
             <a:ext uri="{C572A759-6A51-4108-AA02-DFA0A04FC94B}">
-              <ma14:wrappingTextBoxFlag xmlns:ma14="http://schemas.microsoft.com/office/mac/drawingml/2011/main" val="1"/>
+              <ma14:wrappingTextBoxFlag xmlns:ma14="http://schemas.microsoft.com/office/mac/drawingml/2011/main" xmlns="" val="1"/>
             </a:ext>
           </a:extLst>
         </p:spPr>
@@ -4756,7 +4824,6 @@
             </a:lvl1pPr>
           </a:lstStyle>
           <a:p>
-            <a:pPr/>
             <a:r>
               <a:t>Place any information about this point here.</a:t>
             </a:r>
@@ -4813,6 +4880,7 @@
                   </a:solidFill>
                 </a:defRPr>
               </a:pPr>
+              <a:endParaRPr/>
             </a:p>
           </p:txBody>
         </p:sp>
@@ -4838,7 +4906,7 @@
             <a:effectLst/>
             <a:extLst>
               <a:ext uri="{C572A759-6A51-4108-AA02-DFA0A04FC94B}">
-                <ma14:wrappingTextBoxFlag xmlns:ma14="http://schemas.microsoft.com/office/mac/drawingml/2011/main" val="1"/>
+                <ma14:wrappingTextBoxFlag xmlns:ma14="http://schemas.microsoft.com/office/mac/drawingml/2011/main" xmlns="" val="1"/>
               </a:ext>
             </a:extLst>
           </p:spPr>
@@ -4856,7 +4924,6 @@
               </a:lvl1pPr>
             </a:lstStyle>
             <a:p>
-              <a:pPr/>
               <a:r>
                 <a:t>Place any supporting images, graphs, data or extra text here.</a:t>
               </a:r>
@@ -4886,7 +4953,7 @@
           </a:ln>
           <a:extLst>
             <a:ext uri="{C572A759-6A51-4108-AA02-DFA0A04FC94B}">
-              <ma14:wrappingTextBoxFlag xmlns:ma14="http://schemas.microsoft.com/office/mac/drawingml/2011/main" val="1"/>
+              <ma14:wrappingTextBoxFlag xmlns:ma14="http://schemas.microsoft.com/office/mac/drawingml/2011/main" xmlns="" val="1"/>
             </a:ext>
           </a:extLst>
         </p:spPr>
@@ -4895,7 +4962,7 @@
           <a:lstStyle/>
           <a:p>
             <a:pPr defTabSz="457200">
-              <a:defRPr b="1" sz="500">
+              <a:defRPr sz="500" b="1">
                 <a:latin typeface="Calibri"/>
                 <a:ea typeface="Calibri"/>
                 <a:cs typeface="Calibri"/>
@@ -4917,12 +4984,12 @@
   <p:clrMapOvr>
     <a:masterClrMapping/>
   </p:clrMapOvr>
-  <p:transition xmlns:p14="http://schemas.microsoft.com/office/powerpoint/2010/main" spd="med" advClick="1"/>
+  <p:transition spd="med"/>
 </p:sld>
 </file>
 
 <file path=ppt/slides/slide7.xml><?xml version="1.0" encoding="utf-8"?>
-<p:sld xmlns:a="http://schemas.openxmlformats.org/drawingml/2006/main" xmlns:r="http://schemas.openxmlformats.org/officeDocument/2006/relationships" xmlns:p="http://schemas.openxmlformats.org/presentationml/2006/main" showMasterSp="1" showMasterPhAnim="1">
+<p:sld xmlns:a="http://schemas.openxmlformats.org/drawingml/2006/main" xmlns:r="http://schemas.openxmlformats.org/officeDocument/2006/relationships" xmlns:p="http://schemas.openxmlformats.org/presentationml/2006/main">
   <p:cSld>
     <p:spTree>
       <p:nvGrpSpPr>
@@ -4945,7 +5012,7 @@
           <p:nvPr/>
         </p:nvSpPr>
         <p:spPr>
-          <a:xfrm flipH="1" rot="10800000">
+          <a:xfrm rot="10800000" flipH="1">
             <a:off x="-1" y="0"/>
             <a:ext cx="9163201" cy="5148001"/>
           </a:xfrm>
@@ -4969,7 +5036,7 @@
             </a:cxnLst>
             <a:rect l="0" t="0" r="r" b="b"/>
             <a:pathLst>
-              <a:path w="21600" h="21600" fill="norm" stroke="1" extrusionOk="0">
+              <a:path w="21600" h="21600" extrusionOk="0">
                 <a:moveTo>
                   <a:pt x="0" y="0"/>
                 </a:moveTo>
@@ -5008,7 +5075,7 @@
           <a:bodyPr lIns="45719" rIns="45719" anchor="ctr"/>
           <a:lstStyle/>
           <a:p>
-            <a:pPr/>
+            <a:endParaRPr/>
           </a:p>
         </p:txBody>
       </p:sp>
@@ -5031,7 +5098,7 @@
           </a:ln>
           <a:extLst>
             <a:ext uri="{C572A759-6A51-4108-AA02-DFA0A04FC94B}">
-              <ma14:wrappingTextBoxFlag xmlns:ma14="http://schemas.microsoft.com/office/mac/drawingml/2011/main" val="1"/>
+              <ma14:wrappingTextBoxFlag xmlns:ma14="http://schemas.microsoft.com/office/mac/drawingml/2011/main" xmlns="" val="1"/>
             </a:ext>
           </a:extLst>
         </p:spPr>
@@ -5053,7 +5120,6 @@
             </a:lvl1pPr>
           </a:lstStyle>
           <a:p>
-            <a:pPr/>
             <a:r>
               <a:t>Appendix</a:t>
             </a:r>
@@ -5082,7 +5148,7 @@
           </a:ln>
           <a:extLst>
             <a:ext uri="{C572A759-6A51-4108-AA02-DFA0A04FC94B}">
-              <ma14:wrappingTextBoxFlag xmlns:ma14="http://schemas.microsoft.com/office/mac/drawingml/2011/main" val="1"/>
+              <ma14:wrappingTextBoxFlag xmlns:ma14="http://schemas.microsoft.com/office/mac/drawingml/2011/main" xmlns="" val="1"/>
             </a:ext>
           </a:extLst>
         </p:spPr>
@@ -5091,7 +5157,7 @@
           <a:lstStyle/>
           <a:p>
             <a:pPr defTabSz="457200">
-              <a:defRPr b="1" sz="500">
+              <a:defRPr sz="500" b="1">
                 <a:latin typeface="Calibri"/>
                 <a:ea typeface="Calibri"/>
                 <a:cs typeface="Calibri"/>
@@ -5113,12 +5179,12 @@
   <p:clrMapOvr>
     <a:masterClrMapping/>
   </p:clrMapOvr>
-  <p:transition xmlns:p14="http://schemas.microsoft.com/office/powerpoint/2010/main" spd="med" advClick="1"/>
+  <p:transition spd="med"/>
 </p:sld>
 </file>
 
 <file path=ppt/slides/slide8.xml><?xml version="1.0" encoding="utf-8"?>
-<p:sld xmlns:a="http://schemas.openxmlformats.org/drawingml/2006/main" xmlns:r="http://schemas.openxmlformats.org/officeDocument/2006/relationships" xmlns:p="http://schemas.openxmlformats.org/presentationml/2006/main" showMasterSp="1" showMasterPhAnim="1">
+<p:sld xmlns:a="http://schemas.openxmlformats.org/drawingml/2006/main" xmlns:r="http://schemas.openxmlformats.org/officeDocument/2006/relationships" xmlns:p="http://schemas.openxmlformats.org/presentationml/2006/main">
   <p:cSld>
     <p:spTree>
       <p:nvGrpSpPr>
@@ -5167,7 +5233,7 @@
           <a:bodyPr lIns="45719" rIns="45719" anchor="ctr"/>
           <a:lstStyle/>
           <a:p>
-            <a:pPr/>
+            <a:endParaRPr/>
           </a:p>
         </p:txBody>
       </p:sp>
@@ -5190,7 +5256,7 @@
           </a:ln>
           <a:extLst>
             <a:ext uri="{C572A759-6A51-4108-AA02-DFA0A04FC94B}">
-              <ma14:wrappingTextBoxFlag xmlns:ma14="http://schemas.microsoft.com/office/mac/drawingml/2011/main" val="1"/>
+              <ma14:wrappingTextBoxFlag xmlns:ma14="http://schemas.microsoft.com/office/mac/drawingml/2011/main" xmlns="" val="1"/>
             </a:ext>
           </a:extLst>
         </p:spPr>
@@ -5200,7 +5266,7 @@
           </a:bodyPr>
           <a:lstStyle>
             <a:lvl1pPr>
-              <a:defRPr b="1" sz="2000">
+              <a:defRPr sz="2000" b="1">
                 <a:solidFill>
                   <a:srgbClr val="FFFFFF"/>
                 </a:solidFill>
@@ -5208,7 +5274,6 @@
             </a:lvl1pPr>
           </a:lstStyle>
           <a:p>
-            <a:pPr/>
             <a:r>
               <a:t>Appendix</a:t>
             </a:r>
@@ -5234,7 +5299,7 @@
           </a:ln>
           <a:extLst>
             <a:ext uri="{C572A759-6A51-4108-AA02-DFA0A04FC94B}">
-              <ma14:wrappingTextBoxFlag xmlns:ma14="http://schemas.microsoft.com/office/mac/drawingml/2011/main" val="1"/>
+              <ma14:wrappingTextBoxFlag xmlns:ma14="http://schemas.microsoft.com/office/mac/drawingml/2011/main" xmlns="" val="1"/>
             </a:ext>
           </a:extLst>
         </p:spPr>
@@ -5247,7 +5312,7 @@
               <a:lnSpc>
                 <a:spcPct val="115000"/>
               </a:lnSpc>
-              <a:defRPr b="1" sz="2000">
+              <a:defRPr sz="2000" b="1">
                 <a:latin typeface="Open Sans"/>
                 <a:ea typeface="Open Sans"/>
                 <a:cs typeface="Open Sans"/>
@@ -5256,7 +5321,6 @@
             </a:lvl1pPr>
           </a:lstStyle>
           <a:p>
-            <a:pPr/>
             <a:r>
               <a:t>This is an optional slide where you may place any supporting items.</a:t>
             </a:r>
@@ -5285,7 +5349,7 @@
           </a:ln>
           <a:extLst>
             <a:ext uri="{C572A759-6A51-4108-AA02-DFA0A04FC94B}">
-              <ma14:wrappingTextBoxFlag xmlns:ma14="http://schemas.microsoft.com/office/mac/drawingml/2011/main" val="1"/>
+              <ma14:wrappingTextBoxFlag xmlns:ma14="http://schemas.microsoft.com/office/mac/drawingml/2011/main" xmlns="" val="1"/>
             </a:ext>
           </a:extLst>
         </p:spPr>
@@ -5294,7 +5358,7 @@
           <a:lstStyle/>
           <a:p>
             <a:pPr defTabSz="457200">
-              <a:defRPr b="1" sz="500">
+              <a:defRPr sz="500" b="1">
                 <a:latin typeface="Calibri"/>
                 <a:ea typeface="Calibri"/>
                 <a:cs typeface="Calibri"/>
@@ -5316,12 +5380,12 @@
   <p:clrMapOvr>
     <a:masterClrMapping/>
   </p:clrMapOvr>
-  <p:transition xmlns:p14="http://schemas.microsoft.com/office/powerpoint/2010/main" spd="med" advClick="1"/>
+  <p:transition spd="med"/>
 </p:sld>
 </file>
 
 <file path=ppt/theme/theme1.xml><?xml version="1.0" encoding="utf-8"?>
-<a:theme xmlns:a="http://schemas.openxmlformats.org/drawingml/2006/main" xmlns:r="http://schemas.openxmlformats.org/officeDocument/2006/relationships" name="Simple Light">
+<a:theme xmlns:a="http://schemas.openxmlformats.org/drawingml/2006/main" name="Simple Light">
   <a:themeElements>
     <a:clrScheme name="Simple Light">
       <a:dk1>
@@ -5447,7 +5511,7 @@
       <a:effectStyleLst>
         <a:effectStyle>
           <a:effectLst>
-            <a:outerShdw sx="100000" sy="100000" kx="0" ky="0" algn="b" rotWithShape="0" blurRad="38100" dist="23000" dir="5400000">
+            <a:outerShdw blurRad="38100" dist="23000" dir="5400000" rotWithShape="0">
               <a:srgbClr val="000000">
                 <a:alpha val="35000"/>
               </a:srgbClr>
@@ -5456,7 +5520,7 @@
         </a:effectStyle>
         <a:effectStyle>
           <a:effectLst>
-            <a:outerShdw sx="100000" sy="100000" kx="0" ky="0" algn="b" rotWithShape="0" blurRad="38100" dist="23000" dir="5400000">
+            <a:outerShdw blurRad="38100" dist="23000" dir="5400000" rotWithShape="0">
               <a:srgbClr val="000000">
                 <a:alpha val="35000"/>
               </a:srgbClr>
@@ -5465,7 +5529,7 @@
         </a:effectStyle>
         <a:effectStyle>
           <a:effectLst>
-            <a:outerShdw sx="100000" sy="100000" kx="0" ky="0" algn="b" rotWithShape="0" blurRad="38100" dist="20000" dir="5400000">
+            <a:outerShdw blurRad="38100" dist="20000" dir="5400000" rotWithShape="0">
               <a:srgbClr val="000000">
                 <a:alpha val="38000"/>
               </a:srgbClr>
@@ -5539,7 +5603,7 @@
           <a:round/>
         </a:ln>
         <a:effectLst>
-          <a:outerShdw sx="100000" sy="100000" kx="0" ky="0" algn="b" rotWithShape="0" blurRad="38100" dist="23000" dir="5400000">
+          <a:outerShdw blurRad="38100" dist="23000" dir="5400000" rotWithShape="0">
             <a:srgbClr val="000000">
               <a:alpha val="35000"/>
             </a:srgbClr>
@@ -5547,7 +5611,7 @@
         </a:effectLst>
         <a:sp3d/>
       </a:spPr>
-      <a:bodyPr rot="0" spcFirstLastPara="1" vertOverflow="overflow" horzOverflow="overflow" vert="horz" wrap="square" lIns="45719" tIns="45719" rIns="45719" bIns="45719" numCol="1" spcCol="38100" rtlCol="0" anchor="ctr" upright="0">
+      <a:bodyPr rot="0" spcFirstLastPara="1" vertOverflow="overflow" horzOverflow="overflow" vert="horz" wrap="square" lIns="45719" tIns="45719" rIns="45719" bIns="45719" numCol="1" spcCol="38100" rtlCol="0" anchor="ctr">
         <a:spAutoFit/>
       </a:bodyPr>
       <a:lstStyle>
@@ -5566,7 +5630,7 @@
           <a:buFontTx/>
           <a:buNone/>
           <a:tabLst/>
-          <a:defRPr b="0" baseline="0" cap="none" i="0" spc="0" strike="noStrike" sz="1400" u="none" kumimoji="0" normalizeH="0">
+          <a:defRPr kumimoji="0" sz="1400" b="0" i="0" u="none" strike="noStrike" cap="none" spc="0" normalizeH="0" baseline="0">
             <a:ln>
               <a:noFill/>
             </a:ln>
@@ -5596,7 +5660,7 @@
           <a:buFontTx/>
           <a:buNone/>
           <a:tabLst/>
-          <a:defRPr b="0" baseline="0" cap="none" i="0" spc="0" strike="noStrike" sz="1800" u="none" kumimoji="0" normalizeH="0">
+          <a:defRPr kumimoji="0" sz="1800" b="0" i="0" u="none" strike="noStrike" cap="none" spc="0" normalizeH="0" baseline="0">
             <a:ln>
               <a:noFill/>
             </a:ln>
@@ -5622,7 +5686,7 @@
           <a:buFontTx/>
           <a:buNone/>
           <a:tabLst/>
-          <a:defRPr b="0" baseline="0" cap="none" i="0" spc="0" strike="noStrike" sz="1800" u="none" kumimoji="0" normalizeH="0">
+          <a:defRPr kumimoji="0" sz="1800" b="0" i="0" u="none" strike="noStrike" cap="none" spc="0" normalizeH="0" baseline="0">
             <a:ln>
               <a:noFill/>
             </a:ln>
@@ -5648,7 +5712,7 @@
           <a:buFontTx/>
           <a:buNone/>
           <a:tabLst/>
-          <a:defRPr b="0" baseline="0" cap="none" i="0" spc="0" strike="noStrike" sz="1800" u="none" kumimoji="0" normalizeH="0">
+          <a:defRPr kumimoji="0" sz="1800" b="0" i="0" u="none" strike="noStrike" cap="none" spc="0" normalizeH="0" baseline="0">
             <a:ln>
               <a:noFill/>
             </a:ln>
@@ -5674,7 +5738,7 @@
           <a:buFontTx/>
           <a:buNone/>
           <a:tabLst/>
-          <a:defRPr b="0" baseline="0" cap="none" i="0" spc="0" strike="noStrike" sz="1800" u="none" kumimoji="0" normalizeH="0">
+          <a:defRPr kumimoji="0" sz="1800" b="0" i="0" u="none" strike="noStrike" cap="none" spc="0" normalizeH="0" baseline="0">
             <a:ln>
               <a:noFill/>
             </a:ln>
@@ -5700,7 +5764,7 @@
           <a:buFontTx/>
           <a:buNone/>
           <a:tabLst/>
-          <a:defRPr b="0" baseline="0" cap="none" i="0" spc="0" strike="noStrike" sz="1800" u="none" kumimoji="0" normalizeH="0">
+          <a:defRPr kumimoji="0" sz="1800" b="0" i="0" u="none" strike="noStrike" cap="none" spc="0" normalizeH="0" baseline="0">
             <a:ln>
               <a:noFill/>
             </a:ln>
@@ -5726,7 +5790,7 @@
           <a:buFontTx/>
           <a:buNone/>
           <a:tabLst/>
-          <a:defRPr b="0" baseline="0" cap="none" i="0" spc="0" strike="noStrike" sz="1800" u="none" kumimoji="0" normalizeH="0">
+          <a:defRPr kumimoji="0" sz="1800" b="0" i="0" u="none" strike="noStrike" cap="none" spc="0" normalizeH="0" baseline="0">
             <a:ln>
               <a:noFill/>
             </a:ln>
@@ -5752,7 +5816,7 @@
           <a:buFontTx/>
           <a:buNone/>
           <a:tabLst/>
-          <a:defRPr b="0" baseline="0" cap="none" i="0" spc="0" strike="noStrike" sz="1800" u="none" kumimoji="0" normalizeH="0">
+          <a:defRPr kumimoji="0" sz="1800" b="0" i="0" u="none" strike="noStrike" cap="none" spc="0" normalizeH="0" baseline="0">
             <a:ln>
               <a:noFill/>
             </a:ln>
@@ -5778,7 +5842,7 @@
           <a:buFontTx/>
           <a:buNone/>
           <a:tabLst/>
-          <a:defRPr b="0" baseline="0" cap="none" i="0" spc="0" strike="noStrike" sz="1800" u="none" kumimoji="0" normalizeH="0">
+          <a:defRPr kumimoji="0" sz="1800" b="0" i="0" u="none" strike="noStrike" cap="none" spc="0" normalizeH="0" baseline="0">
             <a:ln>
               <a:noFill/>
             </a:ln>
@@ -5804,7 +5868,7 @@
           <a:buFontTx/>
           <a:buNone/>
           <a:tabLst/>
-          <a:defRPr b="0" baseline="0" cap="none" i="0" spc="0" strike="noStrike" sz="1800" u="none" kumimoji="0" normalizeH="0">
+          <a:defRPr kumimoji="0" sz="1800" b="0" i="0" u="none" strike="noStrike" cap="none" spc="0" normalizeH="0" baseline="0">
             <a:ln>
               <a:noFill/>
             </a:ln>
@@ -5817,9 +5881,15 @@
         </a:lvl9pPr>
       </a:lstStyle>
       <a:style>
-        <a:lnRef idx="0"/>
-        <a:fillRef idx="0"/>
-        <a:effectRef idx="0"/>
+        <a:lnRef idx="0">
+          <a:scrgbClr r="0" g="0" b="0"/>
+        </a:lnRef>
+        <a:fillRef idx="0">
+          <a:scrgbClr r="0" g="0" b="0"/>
+        </a:fillRef>
+        <a:effectRef idx="0">
+          <a:scrgbClr r="0" g="0" b="0"/>
+        </a:effectRef>
         <a:fontRef idx="none"/>
       </a:style>
     </a:spDef>
@@ -5834,7 +5904,7 @@
           <a:round/>
         </a:ln>
         <a:effectLst>
-          <a:outerShdw sx="100000" sy="100000" kx="0" ky="0" algn="b" rotWithShape="0" blurRad="38100" dist="20000" dir="5400000">
+          <a:outerShdw blurRad="38100" dist="20000" dir="5400000" rotWithShape="0">
             <a:srgbClr val="000000">
               <a:alpha val="38000"/>
             </a:srgbClr>
@@ -5842,7 +5912,7 @@
         </a:effectLst>
         <a:sp3d/>
       </a:spPr>
-      <a:bodyPr rot="0" spcFirstLastPara="1" vertOverflow="overflow" horzOverflow="overflow" vert="horz" wrap="square" lIns="91439" tIns="45719" rIns="91439" bIns="45719" numCol="1" spcCol="38100" rtlCol="0" anchor="t" upright="0">
+      <a:bodyPr rot="0" spcFirstLastPara="1" vertOverflow="overflow" horzOverflow="overflow" vert="horz" wrap="square" lIns="91439" tIns="45719" rIns="91439" bIns="45719" numCol="1" spcCol="38100" rtlCol="0" anchor="t">
         <a:noAutofit/>
       </a:bodyPr>
       <a:lstStyle>
@@ -5861,7 +5931,7 @@
           <a:buFontTx/>
           <a:buNone/>
           <a:tabLst/>
-          <a:defRPr b="0" baseline="0" cap="none" i="0" spc="0" strike="noStrike" sz="1800" u="none" kumimoji="0" normalizeH="0">
+          <a:defRPr kumimoji="0" sz="1800" b="0" i="0" u="none" strike="noStrike" cap="none" spc="0" normalizeH="0" baseline="0">
             <a:ln>
               <a:noFill/>
             </a:ln>
@@ -5887,7 +5957,7 @@
           <a:buFontTx/>
           <a:buNone/>
           <a:tabLst/>
-          <a:defRPr b="0" baseline="0" cap="none" i="0" spc="0" strike="noStrike" sz="1800" u="none" kumimoji="0" normalizeH="0">
+          <a:defRPr kumimoji="0" sz="1800" b="0" i="0" u="none" strike="noStrike" cap="none" spc="0" normalizeH="0" baseline="0">
             <a:ln>
               <a:noFill/>
             </a:ln>
@@ -5913,7 +5983,7 @@
           <a:buFontTx/>
           <a:buNone/>
           <a:tabLst/>
-          <a:defRPr b="0" baseline="0" cap="none" i="0" spc="0" strike="noStrike" sz="1800" u="none" kumimoji="0" normalizeH="0">
+          <a:defRPr kumimoji="0" sz="1800" b="0" i="0" u="none" strike="noStrike" cap="none" spc="0" normalizeH="0" baseline="0">
             <a:ln>
               <a:noFill/>
             </a:ln>
@@ -5939,7 +6009,7 @@
           <a:buFontTx/>
           <a:buNone/>
           <a:tabLst/>
-          <a:defRPr b="0" baseline="0" cap="none" i="0" spc="0" strike="noStrike" sz="1800" u="none" kumimoji="0" normalizeH="0">
+          <a:defRPr kumimoji="0" sz="1800" b="0" i="0" u="none" strike="noStrike" cap="none" spc="0" normalizeH="0" baseline="0">
             <a:ln>
               <a:noFill/>
             </a:ln>
@@ -5965,7 +6035,7 @@
           <a:buFontTx/>
           <a:buNone/>
           <a:tabLst/>
-          <a:defRPr b="0" baseline="0" cap="none" i="0" spc="0" strike="noStrike" sz="1800" u="none" kumimoji="0" normalizeH="0">
+          <a:defRPr kumimoji="0" sz="1800" b="0" i="0" u="none" strike="noStrike" cap="none" spc="0" normalizeH="0" baseline="0">
             <a:ln>
               <a:noFill/>
             </a:ln>
@@ -5991,7 +6061,7 @@
           <a:buFontTx/>
           <a:buNone/>
           <a:tabLst/>
-          <a:defRPr b="0" baseline="0" cap="none" i="0" spc="0" strike="noStrike" sz="1800" u="none" kumimoji="0" normalizeH="0">
+          <a:defRPr kumimoji="0" sz="1800" b="0" i="0" u="none" strike="noStrike" cap="none" spc="0" normalizeH="0" baseline="0">
             <a:ln>
               <a:noFill/>
             </a:ln>
@@ -6017,7 +6087,7 @@
           <a:buFontTx/>
           <a:buNone/>
           <a:tabLst/>
-          <a:defRPr b="0" baseline="0" cap="none" i="0" spc="0" strike="noStrike" sz="1800" u="none" kumimoji="0" normalizeH="0">
+          <a:defRPr kumimoji="0" sz="1800" b="0" i="0" u="none" strike="noStrike" cap="none" spc="0" normalizeH="0" baseline="0">
             <a:ln>
               <a:noFill/>
             </a:ln>
@@ -6043,7 +6113,7 @@
           <a:buFontTx/>
           <a:buNone/>
           <a:tabLst/>
-          <a:defRPr b="0" baseline="0" cap="none" i="0" spc="0" strike="noStrike" sz="1800" u="none" kumimoji="0" normalizeH="0">
+          <a:defRPr kumimoji="0" sz="1800" b="0" i="0" u="none" strike="noStrike" cap="none" spc="0" normalizeH="0" baseline="0">
             <a:ln>
               <a:noFill/>
             </a:ln>
@@ -6069,7 +6139,7 @@
           <a:buFontTx/>
           <a:buNone/>
           <a:tabLst/>
-          <a:defRPr b="0" baseline="0" cap="none" i="0" spc="0" strike="noStrike" sz="1800" u="none" kumimoji="0" normalizeH="0">
+          <a:defRPr kumimoji="0" sz="1800" b="0" i="0" u="none" strike="noStrike" cap="none" spc="0" normalizeH="0" baseline="0">
             <a:ln>
               <a:noFill/>
             </a:ln>
@@ -6095,7 +6165,7 @@
           <a:buFontTx/>
           <a:buNone/>
           <a:tabLst/>
-          <a:defRPr b="0" baseline="0" cap="none" i="0" spc="0" strike="noStrike" sz="1800" u="none" kumimoji="0" normalizeH="0">
+          <a:defRPr kumimoji="0" sz="1800" b="0" i="0" u="none" strike="noStrike" cap="none" spc="0" normalizeH="0" baseline="0">
             <a:ln>
               <a:noFill/>
             </a:ln>
@@ -6108,9 +6178,15 @@
         </a:lvl9pPr>
       </a:lstStyle>
       <a:style>
-        <a:lnRef idx="0"/>
-        <a:fillRef idx="0"/>
-        <a:effectRef idx="0"/>
+        <a:lnRef idx="0">
+          <a:scrgbClr r="0" g="0" b="0"/>
+        </a:lnRef>
+        <a:fillRef idx="0">
+          <a:scrgbClr r="0" g="0" b="0"/>
+        </a:fillRef>
+        <a:effectRef idx="0">
+          <a:scrgbClr r="0" g="0" b="0"/>
+        </a:effectRef>
         <a:fontRef idx="none"/>
       </a:style>
     </a:lnDef>
@@ -6124,7 +6200,7 @@
         <a:effectLst/>
         <a:sp3d/>
       </a:spPr>
-      <a:bodyPr rot="0" spcFirstLastPara="1" vertOverflow="overflow" horzOverflow="overflow" vert="horz" wrap="square" lIns="45719" tIns="45719" rIns="45719" bIns="45719" numCol="1" spcCol="38100" rtlCol="0" anchor="t" upright="0">
+      <a:bodyPr rot="0" spcFirstLastPara="1" vertOverflow="overflow" horzOverflow="overflow" vert="horz" wrap="square" lIns="45719" tIns="45719" rIns="45719" bIns="45719" numCol="1" spcCol="38100" rtlCol="0" anchor="t">
         <a:spAutoFit/>
       </a:bodyPr>
       <a:lstStyle>
@@ -6143,7 +6219,7 @@
           <a:buFontTx/>
           <a:buNone/>
           <a:tabLst/>
-          <a:defRPr b="0" baseline="0" cap="none" i="0" spc="0" strike="noStrike" sz="1400" u="none" kumimoji="0" normalizeH="0">
+          <a:defRPr kumimoji="0" sz="1400" b="0" i="0" u="none" strike="noStrike" cap="none" spc="0" normalizeH="0" baseline="0">
             <a:ln>
               <a:noFill/>
             </a:ln>
@@ -6173,7 +6249,7 @@
           <a:buFontTx/>
           <a:buNone/>
           <a:tabLst/>
-          <a:defRPr b="0" baseline="0" cap="none" i="0" spc="0" strike="noStrike" sz="1800" u="none" kumimoji="0" normalizeH="0">
+          <a:defRPr kumimoji="0" sz="1800" b="0" i="0" u="none" strike="noStrike" cap="none" spc="0" normalizeH="0" baseline="0">
             <a:ln>
               <a:noFill/>
             </a:ln>
@@ -6199,7 +6275,7 @@
           <a:buFontTx/>
           <a:buNone/>
           <a:tabLst/>
-          <a:defRPr b="0" baseline="0" cap="none" i="0" spc="0" strike="noStrike" sz="1800" u="none" kumimoji="0" normalizeH="0">
+          <a:defRPr kumimoji="0" sz="1800" b="0" i="0" u="none" strike="noStrike" cap="none" spc="0" normalizeH="0" baseline="0">
             <a:ln>
               <a:noFill/>
             </a:ln>
@@ -6225,7 +6301,7 @@
           <a:buFontTx/>
           <a:buNone/>
           <a:tabLst/>
-          <a:defRPr b="0" baseline="0" cap="none" i="0" spc="0" strike="noStrike" sz="1800" u="none" kumimoji="0" normalizeH="0">
+          <a:defRPr kumimoji="0" sz="1800" b="0" i="0" u="none" strike="noStrike" cap="none" spc="0" normalizeH="0" baseline="0">
             <a:ln>
               <a:noFill/>
             </a:ln>
@@ -6251,7 +6327,7 @@
           <a:buFontTx/>
           <a:buNone/>
           <a:tabLst/>
-          <a:defRPr b="0" baseline="0" cap="none" i="0" spc="0" strike="noStrike" sz="1800" u="none" kumimoji="0" normalizeH="0">
+          <a:defRPr kumimoji="0" sz="1800" b="0" i="0" u="none" strike="noStrike" cap="none" spc="0" normalizeH="0" baseline="0">
             <a:ln>
               <a:noFill/>
             </a:ln>
@@ -6277,7 +6353,7 @@
           <a:buFontTx/>
           <a:buNone/>
           <a:tabLst/>
-          <a:defRPr b="0" baseline="0" cap="none" i="0" spc="0" strike="noStrike" sz="1800" u="none" kumimoji="0" normalizeH="0">
+          <a:defRPr kumimoji="0" sz="1800" b="0" i="0" u="none" strike="noStrike" cap="none" spc="0" normalizeH="0" baseline="0">
             <a:ln>
               <a:noFill/>
             </a:ln>
@@ -6303,7 +6379,7 @@
           <a:buFontTx/>
           <a:buNone/>
           <a:tabLst/>
-          <a:defRPr b="0" baseline="0" cap="none" i="0" spc="0" strike="noStrike" sz="1800" u="none" kumimoji="0" normalizeH="0">
+          <a:defRPr kumimoji="0" sz="1800" b="0" i="0" u="none" strike="noStrike" cap="none" spc="0" normalizeH="0" baseline="0">
             <a:ln>
               <a:noFill/>
             </a:ln>
@@ -6329,7 +6405,7 @@
           <a:buFontTx/>
           <a:buNone/>
           <a:tabLst/>
-          <a:defRPr b="0" baseline="0" cap="none" i="0" spc="0" strike="noStrike" sz="1800" u="none" kumimoji="0" normalizeH="0">
+          <a:defRPr kumimoji="0" sz="1800" b="0" i="0" u="none" strike="noStrike" cap="none" spc="0" normalizeH="0" baseline="0">
             <a:ln>
               <a:noFill/>
             </a:ln>
@@ -6355,7 +6431,7 @@
           <a:buFontTx/>
           <a:buNone/>
           <a:tabLst/>
-          <a:defRPr b="0" baseline="0" cap="none" i="0" spc="0" strike="noStrike" sz="1800" u="none" kumimoji="0" normalizeH="0">
+          <a:defRPr kumimoji="0" sz="1800" b="0" i="0" u="none" strike="noStrike" cap="none" spc="0" normalizeH="0" baseline="0">
             <a:ln>
               <a:noFill/>
             </a:ln>
@@ -6381,7 +6457,7 @@
           <a:buFontTx/>
           <a:buNone/>
           <a:tabLst/>
-          <a:defRPr b="0" baseline="0" cap="none" i="0" spc="0" strike="noStrike" sz="1800" u="none" kumimoji="0" normalizeH="0">
+          <a:defRPr kumimoji="0" sz="1800" b="0" i="0" u="none" strike="noStrike" cap="none" spc="0" normalizeH="0" baseline="0">
             <a:ln>
               <a:noFill/>
             </a:ln>
@@ -6394,18 +6470,25 @@
         </a:lvl9pPr>
       </a:lstStyle>
       <a:style>
-        <a:lnRef idx="0"/>
-        <a:fillRef idx="0"/>
-        <a:effectRef idx="0"/>
+        <a:lnRef idx="0">
+          <a:scrgbClr r="0" g="0" b="0"/>
+        </a:lnRef>
+        <a:fillRef idx="0">
+          <a:scrgbClr r="0" g="0" b="0"/>
+        </a:fillRef>
+        <a:effectRef idx="0">
+          <a:scrgbClr r="0" g="0" b="0"/>
+        </a:effectRef>
         <a:fontRef idx="none"/>
       </a:style>
     </a:txDef>
   </a:objectDefaults>
+  <a:extraClrSchemeLst/>
 </a:theme>
 </file>
 
 <file path=ppt/theme/theme2.xml><?xml version="1.0" encoding="utf-8"?>
-<a:theme xmlns:a="http://schemas.openxmlformats.org/drawingml/2006/main" xmlns:r="http://schemas.openxmlformats.org/officeDocument/2006/relationships" name="Simple Light">
+<a:theme xmlns:a="http://schemas.openxmlformats.org/drawingml/2006/main" name="Simple Light">
   <a:themeElements>
     <a:clrScheme name="Simple Light">
       <a:dk1>
@@ -6531,7 +6614,7 @@
       <a:effectStyleLst>
         <a:effectStyle>
           <a:effectLst>
-            <a:outerShdw sx="100000" sy="100000" kx="0" ky="0" algn="b" rotWithShape="0" blurRad="38100" dist="23000" dir="5400000">
+            <a:outerShdw blurRad="38100" dist="23000" dir="5400000" rotWithShape="0">
               <a:srgbClr val="000000">
                 <a:alpha val="35000"/>
               </a:srgbClr>
@@ -6540,7 +6623,7 @@
         </a:effectStyle>
         <a:effectStyle>
           <a:effectLst>
-            <a:outerShdw sx="100000" sy="100000" kx="0" ky="0" algn="b" rotWithShape="0" blurRad="38100" dist="23000" dir="5400000">
+            <a:outerShdw blurRad="38100" dist="23000" dir="5400000" rotWithShape="0">
               <a:srgbClr val="000000">
                 <a:alpha val="35000"/>
               </a:srgbClr>
@@ -6549,7 +6632,7 @@
         </a:effectStyle>
         <a:effectStyle>
           <a:effectLst>
-            <a:outerShdw sx="100000" sy="100000" kx="0" ky="0" algn="b" rotWithShape="0" blurRad="38100" dist="20000" dir="5400000">
+            <a:outerShdw blurRad="38100" dist="20000" dir="5400000" rotWithShape="0">
               <a:srgbClr val="000000">
                 <a:alpha val="38000"/>
               </a:srgbClr>
@@ -6623,7 +6706,7 @@
           <a:round/>
         </a:ln>
         <a:effectLst>
-          <a:outerShdw sx="100000" sy="100000" kx="0" ky="0" algn="b" rotWithShape="0" blurRad="38100" dist="23000" dir="5400000">
+          <a:outerShdw blurRad="38100" dist="23000" dir="5400000" rotWithShape="0">
             <a:srgbClr val="000000">
               <a:alpha val="35000"/>
             </a:srgbClr>
@@ -6631,7 +6714,7 @@
         </a:effectLst>
         <a:sp3d/>
       </a:spPr>
-      <a:bodyPr rot="0" spcFirstLastPara="1" vertOverflow="overflow" horzOverflow="overflow" vert="horz" wrap="square" lIns="45719" tIns="45719" rIns="45719" bIns="45719" numCol="1" spcCol="38100" rtlCol="0" anchor="ctr" upright="0">
+      <a:bodyPr rot="0" spcFirstLastPara="1" vertOverflow="overflow" horzOverflow="overflow" vert="horz" wrap="square" lIns="45719" tIns="45719" rIns="45719" bIns="45719" numCol="1" spcCol="38100" rtlCol="0" anchor="ctr">
         <a:spAutoFit/>
       </a:bodyPr>
       <a:lstStyle>
@@ -6650,7 +6733,7 @@
           <a:buFontTx/>
           <a:buNone/>
           <a:tabLst/>
-          <a:defRPr b="0" baseline="0" cap="none" i="0" spc="0" strike="noStrike" sz="1400" u="none" kumimoji="0" normalizeH="0">
+          <a:defRPr kumimoji="0" sz="1400" b="0" i="0" u="none" strike="noStrike" cap="none" spc="0" normalizeH="0" baseline="0">
             <a:ln>
               <a:noFill/>
             </a:ln>
@@ -6680,7 +6763,7 @@
           <a:buFontTx/>
           <a:buNone/>
           <a:tabLst/>
-          <a:defRPr b="0" baseline="0" cap="none" i="0" spc="0" strike="noStrike" sz="1800" u="none" kumimoji="0" normalizeH="0">
+          <a:defRPr kumimoji="0" sz="1800" b="0" i="0" u="none" strike="noStrike" cap="none" spc="0" normalizeH="0" baseline="0">
             <a:ln>
               <a:noFill/>
             </a:ln>
@@ -6706,7 +6789,7 @@
           <a:buFontTx/>
           <a:buNone/>
           <a:tabLst/>
-          <a:defRPr b="0" baseline="0" cap="none" i="0" spc="0" strike="noStrike" sz="1800" u="none" kumimoji="0" normalizeH="0">
+          <a:defRPr kumimoji="0" sz="1800" b="0" i="0" u="none" strike="noStrike" cap="none" spc="0" normalizeH="0" baseline="0">
             <a:ln>
               <a:noFill/>
             </a:ln>
@@ -6732,7 +6815,7 @@
           <a:buFontTx/>
           <a:buNone/>
           <a:tabLst/>
-          <a:defRPr b="0" baseline="0" cap="none" i="0" spc="0" strike="noStrike" sz="1800" u="none" kumimoji="0" normalizeH="0">
+          <a:defRPr kumimoji="0" sz="1800" b="0" i="0" u="none" strike="noStrike" cap="none" spc="0" normalizeH="0" baseline="0">
             <a:ln>
               <a:noFill/>
             </a:ln>
@@ -6758,7 +6841,7 @@
           <a:buFontTx/>
           <a:buNone/>
           <a:tabLst/>
-          <a:defRPr b="0" baseline="0" cap="none" i="0" spc="0" strike="noStrike" sz="1800" u="none" kumimoji="0" normalizeH="0">
+          <a:defRPr kumimoji="0" sz="1800" b="0" i="0" u="none" strike="noStrike" cap="none" spc="0" normalizeH="0" baseline="0">
             <a:ln>
               <a:noFill/>
             </a:ln>
@@ -6784,7 +6867,7 @@
           <a:buFontTx/>
           <a:buNone/>
           <a:tabLst/>
-          <a:defRPr b="0" baseline="0" cap="none" i="0" spc="0" strike="noStrike" sz="1800" u="none" kumimoji="0" normalizeH="0">
+          <a:defRPr kumimoji="0" sz="1800" b="0" i="0" u="none" strike="noStrike" cap="none" spc="0" normalizeH="0" baseline="0">
             <a:ln>
               <a:noFill/>
             </a:ln>
@@ -6810,7 +6893,7 @@
           <a:buFontTx/>
           <a:buNone/>
           <a:tabLst/>
-          <a:defRPr b="0" baseline="0" cap="none" i="0" spc="0" strike="noStrike" sz="1800" u="none" kumimoji="0" normalizeH="0">
+          <a:defRPr kumimoji="0" sz="1800" b="0" i="0" u="none" strike="noStrike" cap="none" spc="0" normalizeH="0" baseline="0">
             <a:ln>
               <a:noFill/>
             </a:ln>
@@ -6836,7 +6919,7 @@
           <a:buFontTx/>
           <a:buNone/>
           <a:tabLst/>
-          <a:defRPr b="0" baseline="0" cap="none" i="0" spc="0" strike="noStrike" sz="1800" u="none" kumimoji="0" normalizeH="0">
+          <a:defRPr kumimoji="0" sz="1800" b="0" i="0" u="none" strike="noStrike" cap="none" spc="0" normalizeH="0" baseline="0">
             <a:ln>
               <a:noFill/>
             </a:ln>
@@ -6862,7 +6945,7 @@
           <a:buFontTx/>
           <a:buNone/>
           <a:tabLst/>
-          <a:defRPr b="0" baseline="0" cap="none" i="0" spc="0" strike="noStrike" sz="1800" u="none" kumimoji="0" normalizeH="0">
+          <a:defRPr kumimoji="0" sz="1800" b="0" i="0" u="none" strike="noStrike" cap="none" spc="0" normalizeH="0" baseline="0">
             <a:ln>
               <a:noFill/>
             </a:ln>
@@ -6888,7 +6971,7 @@
           <a:buFontTx/>
           <a:buNone/>
           <a:tabLst/>
-          <a:defRPr b="0" baseline="0" cap="none" i="0" spc="0" strike="noStrike" sz="1800" u="none" kumimoji="0" normalizeH="0">
+          <a:defRPr kumimoji="0" sz="1800" b="0" i="0" u="none" strike="noStrike" cap="none" spc="0" normalizeH="0" baseline="0">
             <a:ln>
               <a:noFill/>
             </a:ln>
@@ -6901,9 +6984,15 @@
         </a:lvl9pPr>
       </a:lstStyle>
       <a:style>
-        <a:lnRef idx="0"/>
-        <a:fillRef idx="0"/>
-        <a:effectRef idx="0"/>
+        <a:lnRef idx="0">
+          <a:scrgbClr r="0" g="0" b="0"/>
+        </a:lnRef>
+        <a:fillRef idx="0">
+          <a:scrgbClr r="0" g="0" b="0"/>
+        </a:fillRef>
+        <a:effectRef idx="0">
+          <a:scrgbClr r="0" g="0" b="0"/>
+        </a:effectRef>
         <a:fontRef idx="none"/>
       </a:style>
     </a:spDef>
@@ -6918,7 +7007,7 @@
           <a:round/>
         </a:ln>
         <a:effectLst>
-          <a:outerShdw sx="100000" sy="100000" kx="0" ky="0" algn="b" rotWithShape="0" blurRad="38100" dist="20000" dir="5400000">
+          <a:outerShdw blurRad="38100" dist="20000" dir="5400000" rotWithShape="0">
             <a:srgbClr val="000000">
               <a:alpha val="38000"/>
             </a:srgbClr>
@@ -6926,7 +7015,7 @@
         </a:effectLst>
         <a:sp3d/>
       </a:spPr>
-      <a:bodyPr rot="0" spcFirstLastPara="1" vertOverflow="overflow" horzOverflow="overflow" vert="horz" wrap="square" lIns="91439" tIns="45719" rIns="91439" bIns="45719" numCol="1" spcCol="38100" rtlCol="0" anchor="t" upright="0">
+      <a:bodyPr rot="0" spcFirstLastPara="1" vertOverflow="overflow" horzOverflow="overflow" vert="horz" wrap="square" lIns="91439" tIns="45719" rIns="91439" bIns="45719" numCol="1" spcCol="38100" rtlCol="0" anchor="t">
         <a:noAutofit/>
       </a:bodyPr>
       <a:lstStyle>
@@ -6945,7 +7034,7 @@
           <a:buFontTx/>
           <a:buNone/>
           <a:tabLst/>
-          <a:defRPr b="0" baseline="0" cap="none" i="0" spc="0" strike="noStrike" sz="1800" u="none" kumimoji="0" normalizeH="0">
+          <a:defRPr kumimoji="0" sz="1800" b="0" i="0" u="none" strike="noStrike" cap="none" spc="0" normalizeH="0" baseline="0">
             <a:ln>
               <a:noFill/>
             </a:ln>
@@ -6971,7 +7060,7 @@
           <a:buFontTx/>
           <a:buNone/>
           <a:tabLst/>
-          <a:defRPr b="0" baseline="0" cap="none" i="0" spc="0" strike="noStrike" sz="1800" u="none" kumimoji="0" normalizeH="0">
+          <a:defRPr kumimoji="0" sz="1800" b="0" i="0" u="none" strike="noStrike" cap="none" spc="0" normalizeH="0" baseline="0">
             <a:ln>
               <a:noFill/>
             </a:ln>
@@ -6997,7 +7086,7 @@
           <a:buFontTx/>
           <a:buNone/>
           <a:tabLst/>
-          <a:defRPr b="0" baseline="0" cap="none" i="0" spc="0" strike="noStrike" sz="1800" u="none" kumimoji="0" normalizeH="0">
+          <a:defRPr kumimoji="0" sz="1800" b="0" i="0" u="none" strike="noStrike" cap="none" spc="0" normalizeH="0" baseline="0">
             <a:ln>
               <a:noFill/>
             </a:ln>
@@ -7023,7 +7112,7 @@
           <a:buFontTx/>
           <a:buNone/>
           <a:tabLst/>
-          <a:defRPr b="0" baseline="0" cap="none" i="0" spc="0" strike="noStrike" sz="1800" u="none" kumimoji="0" normalizeH="0">
+          <a:defRPr kumimoji="0" sz="1800" b="0" i="0" u="none" strike="noStrike" cap="none" spc="0" normalizeH="0" baseline="0">
             <a:ln>
               <a:noFill/>
             </a:ln>
@@ -7049,7 +7138,7 @@
           <a:buFontTx/>
           <a:buNone/>
           <a:tabLst/>
-          <a:defRPr b="0" baseline="0" cap="none" i="0" spc="0" strike="noStrike" sz="1800" u="none" kumimoji="0" normalizeH="0">
+          <a:defRPr kumimoji="0" sz="1800" b="0" i="0" u="none" strike="noStrike" cap="none" spc="0" normalizeH="0" baseline="0">
             <a:ln>
               <a:noFill/>
             </a:ln>
@@ -7075,7 +7164,7 @@
           <a:buFontTx/>
           <a:buNone/>
           <a:tabLst/>
-          <a:defRPr b="0" baseline="0" cap="none" i="0" spc="0" strike="noStrike" sz="1800" u="none" kumimoji="0" normalizeH="0">
+          <a:defRPr kumimoji="0" sz="1800" b="0" i="0" u="none" strike="noStrike" cap="none" spc="0" normalizeH="0" baseline="0">
             <a:ln>
               <a:noFill/>
             </a:ln>
@@ -7101,7 +7190,7 @@
           <a:buFontTx/>
           <a:buNone/>
           <a:tabLst/>
-          <a:defRPr b="0" baseline="0" cap="none" i="0" spc="0" strike="noStrike" sz="1800" u="none" kumimoji="0" normalizeH="0">
+          <a:defRPr kumimoji="0" sz="1800" b="0" i="0" u="none" strike="noStrike" cap="none" spc="0" normalizeH="0" baseline="0">
             <a:ln>
               <a:noFill/>
             </a:ln>
@@ -7127,7 +7216,7 @@
           <a:buFontTx/>
           <a:buNone/>
           <a:tabLst/>
-          <a:defRPr b="0" baseline="0" cap="none" i="0" spc="0" strike="noStrike" sz="1800" u="none" kumimoji="0" normalizeH="0">
+          <a:defRPr kumimoji="0" sz="1800" b="0" i="0" u="none" strike="noStrike" cap="none" spc="0" normalizeH="0" baseline="0">
             <a:ln>
               <a:noFill/>
             </a:ln>
@@ -7153,7 +7242,7 @@
           <a:buFontTx/>
           <a:buNone/>
           <a:tabLst/>
-          <a:defRPr b="0" baseline="0" cap="none" i="0" spc="0" strike="noStrike" sz="1800" u="none" kumimoji="0" normalizeH="0">
+          <a:defRPr kumimoji="0" sz="1800" b="0" i="0" u="none" strike="noStrike" cap="none" spc="0" normalizeH="0" baseline="0">
             <a:ln>
               <a:noFill/>
             </a:ln>
@@ -7179,7 +7268,7 @@
           <a:buFontTx/>
           <a:buNone/>
           <a:tabLst/>
-          <a:defRPr b="0" baseline="0" cap="none" i="0" spc="0" strike="noStrike" sz="1800" u="none" kumimoji="0" normalizeH="0">
+          <a:defRPr kumimoji="0" sz="1800" b="0" i="0" u="none" strike="noStrike" cap="none" spc="0" normalizeH="0" baseline="0">
             <a:ln>
               <a:noFill/>
             </a:ln>
@@ -7192,9 +7281,15 @@
         </a:lvl9pPr>
       </a:lstStyle>
       <a:style>
-        <a:lnRef idx="0"/>
-        <a:fillRef idx="0"/>
-        <a:effectRef idx="0"/>
+        <a:lnRef idx="0">
+          <a:scrgbClr r="0" g="0" b="0"/>
+        </a:lnRef>
+        <a:fillRef idx="0">
+          <a:scrgbClr r="0" g="0" b="0"/>
+        </a:fillRef>
+        <a:effectRef idx="0">
+          <a:scrgbClr r="0" g="0" b="0"/>
+        </a:effectRef>
         <a:fontRef idx="none"/>
       </a:style>
     </a:lnDef>
@@ -7208,7 +7303,7 @@
         <a:effectLst/>
         <a:sp3d/>
       </a:spPr>
-      <a:bodyPr rot="0" spcFirstLastPara="1" vertOverflow="overflow" horzOverflow="overflow" vert="horz" wrap="square" lIns="45719" tIns="45719" rIns="45719" bIns="45719" numCol="1" spcCol="38100" rtlCol="0" anchor="t" upright="0">
+      <a:bodyPr rot="0" spcFirstLastPara="1" vertOverflow="overflow" horzOverflow="overflow" vert="horz" wrap="square" lIns="45719" tIns="45719" rIns="45719" bIns="45719" numCol="1" spcCol="38100" rtlCol="0" anchor="t">
         <a:spAutoFit/>
       </a:bodyPr>
       <a:lstStyle>
@@ -7227,7 +7322,7 @@
           <a:buFontTx/>
           <a:buNone/>
           <a:tabLst/>
-          <a:defRPr b="0" baseline="0" cap="none" i="0" spc="0" strike="noStrike" sz="1400" u="none" kumimoji="0" normalizeH="0">
+          <a:defRPr kumimoji="0" sz="1400" b="0" i="0" u="none" strike="noStrike" cap="none" spc="0" normalizeH="0" baseline="0">
             <a:ln>
               <a:noFill/>
             </a:ln>
@@ -7257,7 +7352,7 @@
           <a:buFontTx/>
           <a:buNone/>
           <a:tabLst/>
-          <a:defRPr b="0" baseline="0" cap="none" i="0" spc="0" strike="noStrike" sz="1800" u="none" kumimoji="0" normalizeH="0">
+          <a:defRPr kumimoji="0" sz="1800" b="0" i="0" u="none" strike="noStrike" cap="none" spc="0" normalizeH="0" baseline="0">
             <a:ln>
               <a:noFill/>
             </a:ln>
@@ -7283,7 +7378,7 @@
           <a:buFontTx/>
           <a:buNone/>
           <a:tabLst/>
-          <a:defRPr b="0" baseline="0" cap="none" i="0" spc="0" strike="noStrike" sz="1800" u="none" kumimoji="0" normalizeH="0">
+          <a:defRPr kumimoji="0" sz="1800" b="0" i="0" u="none" strike="noStrike" cap="none" spc="0" normalizeH="0" baseline="0">
             <a:ln>
               <a:noFill/>
             </a:ln>
@@ -7309,7 +7404,7 @@
           <a:buFontTx/>
           <a:buNone/>
           <a:tabLst/>
-          <a:defRPr b="0" baseline="0" cap="none" i="0" spc="0" strike="noStrike" sz="1800" u="none" kumimoji="0" normalizeH="0">
+          <a:defRPr kumimoji="0" sz="1800" b="0" i="0" u="none" strike="noStrike" cap="none" spc="0" normalizeH="0" baseline="0">
             <a:ln>
               <a:noFill/>
             </a:ln>
@@ -7335,7 +7430,7 @@
           <a:buFontTx/>
           <a:buNone/>
           <a:tabLst/>
-          <a:defRPr b="0" baseline="0" cap="none" i="0" spc="0" strike="noStrike" sz="1800" u="none" kumimoji="0" normalizeH="0">
+          <a:defRPr kumimoji="0" sz="1800" b="0" i="0" u="none" strike="noStrike" cap="none" spc="0" normalizeH="0" baseline="0">
             <a:ln>
               <a:noFill/>
             </a:ln>
@@ -7361,7 +7456,7 @@
           <a:buFontTx/>
           <a:buNone/>
           <a:tabLst/>
-          <a:defRPr b="0" baseline="0" cap="none" i="0" spc="0" strike="noStrike" sz="1800" u="none" kumimoji="0" normalizeH="0">
+          <a:defRPr kumimoji="0" sz="1800" b="0" i="0" u="none" strike="noStrike" cap="none" spc="0" normalizeH="0" baseline="0">
             <a:ln>
               <a:noFill/>
             </a:ln>
@@ -7387,7 +7482,7 @@
           <a:buFontTx/>
           <a:buNone/>
           <a:tabLst/>
-          <a:defRPr b="0" baseline="0" cap="none" i="0" spc="0" strike="noStrike" sz="1800" u="none" kumimoji="0" normalizeH="0">
+          <a:defRPr kumimoji="0" sz="1800" b="0" i="0" u="none" strike="noStrike" cap="none" spc="0" normalizeH="0" baseline="0">
             <a:ln>
               <a:noFill/>
             </a:ln>
@@ -7413,7 +7508,7 @@
           <a:buFontTx/>
           <a:buNone/>
           <a:tabLst/>
-          <a:defRPr b="0" baseline="0" cap="none" i="0" spc="0" strike="noStrike" sz="1800" u="none" kumimoji="0" normalizeH="0">
+          <a:defRPr kumimoji="0" sz="1800" b="0" i="0" u="none" strike="noStrike" cap="none" spc="0" normalizeH="0" baseline="0">
             <a:ln>
               <a:noFill/>
             </a:ln>
@@ -7439,7 +7534,7 @@
           <a:buFontTx/>
           <a:buNone/>
           <a:tabLst/>
-          <a:defRPr b="0" baseline="0" cap="none" i="0" spc="0" strike="noStrike" sz="1800" u="none" kumimoji="0" normalizeH="0">
+          <a:defRPr kumimoji="0" sz="1800" b="0" i="0" u="none" strike="noStrike" cap="none" spc="0" normalizeH="0" baseline="0">
             <a:ln>
               <a:noFill/>
             </a:ln>
@@ -7465,7 +7560,7 @@
           <a:buFontTx/>
           <a:buNone/>
           <a:tabLst/>
-          <a:defRPr b="0" baseline="0" cap="none" i="0" spc="0" strike="noStrike" sz="1800" u="none" kumimoji="0" normalizeH="0">
+          <a:defRPr kumimoji="0" sz="1800" b="0" i="0" u="none" strike="noStrike" cap="none" spc="0" normalizeH="0" baseline="0">
             <a:ln>
               <a:noFill/>
             </a:ln>
@@ -7478,12 +7573,19 @@
         </a:lvl9pPr>
       </a:lstStyle>
       <a:style>
-        <a:lnRef idx="0"/>
-        <a:fillRef idx="0"/>
-        <a:effectRef idx="0"/>
+        <a:lnRef idx="0">
+          <a:scrgbClr r="0" g="0" b="0"/>
+        </a:lnRef>
+        <a:fillRef idx="0">
+          <a:scrgbClr r="0" g="0" b="0"/>
+        </a:fillRef>
+        <a:effectRef idx="0">
+          <a:scrgbClr r="0" g="0" b="0"/>
+        </a:effectRef>
         <a:fontRef idx="none"/>
       </a:style>
     </a:txDef>
   </a:objectDefaults>
+  <a:extraClrSchemeLst/>
 </a:theme>
 </file>